--- a/Lections/L6/FE-L6-15-05-box-model.pptx
+++ b/Lections/L6/FE-L6-15-05-box-model.pptx
@@ -873,20 +873,20 @@
           <pc:docMk/>
           <pc:sldMk cId="158552046" sldId="262"/>
         </pc:sldMkLst>
+        <pc:spChg chg="add mod">
+          <ac:chgData name="Никола Алексеев" userId="ba66283bcb01e904" providerId="LiveId" clId="{9FA99FA1-656E-4361-BD8C-5D97150E1C72}" dt="2018-02-25T22:53:11.174" v="7032" actId="20577"/>
+          <ac:spMkLst>
+            <pc:docMk/>
+            <pc:sldMk cId="158552046" sldId="262"/>
+            <ac:spMk id="2" creationId="{0CF269FC-0BAE-4E58-AFE7-2D2D3FEA5B9E}"/>
+          </ac:spMkLst>
+        </pc:spChg>
         <pc:spChg chg="add del">
           <ac:chgData name="Никола Алексеев" userId="ba66283bcb01e904" providerId="LiveId" clId="{9FA99FA1-656E-4361-BD8C-5D97150E1C72}" dt="2018-02-25T00:39:15.353" v="1834" actId="478"/>
           <ac:spMkLst>
             <pc:docMk/>
             <pc:sldMk cId="158552046" sldId="262"/>
             <ac:spMk id="2" creationId="{10C37CE3-5BFD-41F3-BC2F-C5CFF363E05C}"/>
-          </ac:spMkLst>
-        </pc:spChg>
-        <pc:spChg chg="add mod">
-          <ac:chgData name="Никола Алексеев" userId="ba66283bcb01e904" providerId="LiveId" clId="{9FA99FA1-656E-4361-BD8C-5D97150E1C72}" dt="2018-02-25T22:53:11.174" v="7032" actId="20577"/>
-          <ac:spMkLst>
-            <pc:docMk/>
-            <pc:sldMk cId="158552046" sldId="262"/>
-            <ac:spMk id="2" creationId="{0CF269FC-0BAE-4E58-AFE7-2D2D3FEA5B9E}"/>
           </ac:spMkLst>
         </pc:spChg>
         <pc:spChg chg="add del mod">
@@ -2148,19 +2148,19 @@
           </ac:spMkLst>
         </pc:spChg>
         <pc:picChg chg="add del mod">
-          <ac:chgData name="Никола Алексеев" userId="ba66283bcb01e904" providerId="LiveId" clId="{9FA99FA1-656E-4361-BD8C-5D97150E1C72}" dt="2018-02-26T23:03:48.572" v="18120" actId="1076"/>
+          <ac:chgData name="Никола Алексеев" userId="ba66283bcb01e904" providerId="LiveId" clId="{9FA99FA1-656E-4361-BD8C-5D97150E1C72}" dt="2018-02-25T23:41:05.104" v="9218" actId="478"/>
           <ac:picMkLst>
             <pc:docMk/>
             <pc:sldMk cId="2490399688" sldId="268"/>
-            <ac:picMk id="2" creationId="{FD38FF66-4851-4302-A0CB-D6E6885FD3D9}"/>
+            <ac:picMk id="2" creationId="{4D5E1687-730B-46DA-AF90-254C0B7F9B74}"/>
           </ac:picMkLst>
         </pc:picChg>
         <pc:picChg chg="add del mod">
-          <ac:chgData name="Никола Алексеев" userId="ba66283bcb01e904" providerId="LiveId" clId="{9FA99FA1-656E-4361-BD8C-5D97150E1C72}" dt="2018-02-25T23:41:05.104" v="9218" actId="478"/>
+          <ac:chgData name="Никола Алексеев" userId="ba66283bcb01e904" providerId="LiveId" clId="{9FA99FA1-656E-4361-BD8C-5D97150E1C72}" dt="2018-02-26T23:03:48.572" v="18120" actId="1076"/>
           <ac:picMkLst>
             <pc:docMk/>
             <pc:sldMk cId="2490399688" sldId="268"/>
-            <ac:picMk id="2" creationId="{4D5E1687-730B-46DA-AF90-254C0B7F9B74}"/>
+            <ac:picMk id="2" creationId="{FD38FF66-4851-4302-A0CB-D6E6885FD3D9}"/>
           </ac:picMkLst>
         </pc:picChg>
         <pc:picChg chg="add mod">
@@ -3905,7 +3905,7 @@
           <a:p>
             <a:fld id="{F6D8C1CC-B947-4082-943C-2B15D0562C1D}" type="datetimeFigureOut">
               <a:rPr lang="en-US" smtClean="0"/>
-              <a:t>15-May-18</a:t>
+              <a:t>5/15/2018</a:t>
             </a:fld>
             <a:endParaRPr lang="en-US"/>
           </a:p>
@@ -5304,7 +5304,7 @@
           <p:cNvPr id="2" name="Title 1">
             <a:extLst>
               <a:ext uri="{FF2B5EF4-FFF2-40B4-BE49-F238E27FC236}">
-                <a16:creationId xmlns="" xmlns:a16="http://schemas.microsoft.com/office/drawing/2014/main" id="{797E933C-7502-4F4D-819B-1376D681604C}"/>
+                <a16:creationId xmlns:a16="http://schemas.microsoft.com/office/drawing/2014/main" id="{797E933C-7502-4F4D-819B-1376D681604C}"/>
               </a:ext>
             </a:extLst>
           </p:cNvPr>
@@ -5341,7 +5341,7 @@
           <p:cNvPr id="3" name="Subtitle 2">
             <a:extLst>
               <a:ext uri="{FF2B5EF4-FFF2-40B4-BE49-F238E27FC236}">
-                <a16:creationId xmlns="" xmlns:a16="http://schemas.microsoft.com/office/drawing/2014/main" id="{810F970D-4C44-4675-AC1D-2452B2D10126}"/>
+                <a16:creationId xmlns:a16="http://schemas.microsoft.com/office/drawing/2014/main" id="{810F970D-4C44-4675-AC1D-2452B2D10126}"/>
               </a:ext>
             </a:extLst>
           </p:cNvPr>
@@ -5411,7 +5411,7 @@
           <p:cNvPr id="4" name="Date Placeholder 3">
             <a:extLst>
               <a:ext uri="{FF2B5EF4-FFF2-40B4-BE49-F238E27FC236}">
-                <a16:creationId xmlns="" xmlns:a16="http://schemas.microsoft.com/office/drawing/2014/main" id="{AA0A371D-EDD3-49FB-A5E7-B8C2B4A743D0}"/>
+                <a16:creationId xmlns:a16="http://schemas.microsoft.com/office/drawing/2014/main" id="{AA0A371D-EDD3-49FB-A5E7-B8C2B4A743D0}"/>
               </a:ext>
             </a:extLst>
           </p:cNvPr>
@@ -5440,7 +5440,7 @@
           <p:cNvPr id="5" name="Footer Placeholder 4">
             <a:extLst>
               <a:ext uri="{FF2B5EF4-FFF2-40B4-BE49-F238E27FC236}">
-                <a16:creationId xmlns="" xmlns:a16="http://schemas.microsoft.com/office/drawing/2014/main" id="{A0DDBA1B-E053-4C8C-BCB6-32A726F7587A}"/>
+                <a16:creationId xmlns:a16="http://schemas.microsoft.com/office/drawing/2014/main" id="{A0DDBA1B-E053-4C8C-BCB6-32A726F7587A}"/>
               </a:ext>
             </a:extLst>
           </p:cNvPr>
@@ -5465,7 +5465,7 @@
           <p:cNvPr id="6" name="Slide Number Placeholder 5">
             <a:extLst>
               <a:ext uri="{FF2B5EF4-FFF2-40B4-BE49-F238E27FC236}">
-                <a16:creationId xmlns="" xmlns:a16="http://schemas.microsoft.com/office/drawing/2014/main" id="{027369A6-CA85-4F4E-9B7F-D58C297C3E2E}"/>
+                <a16:creationId xmlns:a16="http://schemas.microsoft.com/office/drawing/2014/main" id="{027369A6-CA85-4F4E-9B7F-D58C297C3E2E}"/>
               </a:ext>
             </a:extLst>
           </p:cNvPr>
@@ -5524,7 +5524,7 @@
           <p:cNvPr id="2" name="Title 1">
             <a:extLst>
               <a:ext uri="{FF2B5EF4-FFF2-40B4-BE49-F238E27FC236}">
-                <a16:creationId xmlns="" xmlns:a16="http://schemas.microsoft.com/office/drawing/2014/main" id="{A5C274AD-169E-43A5-B98F-253891EC8316}"/>
+                <a16:creationId xmlns:a16="http://schemas.microsoft.com/office/drawing/2014/main" id="{A5C274AD-169E-43A5-B98F-253891EC8316}"/>
               </a:ext>
             </a:extLst>
           </p:cNvPr>
@@ -5552,7 +5552,7 @@
           <p:cNvPr id="3" name="Vertical Text Placeholder 2">
             <a:extLst>
               <a:ext uri="{FF2B5EF4-FFF2-40B4-BE49-F238E27FC236}">
-                <a16:creationId xmlns="" xmlns:a16="http://schemas.microsoft.com/office/drawing/2014/main" id="{7D3BA573-C352-46A1-A9D7-969987561C38}"/>
+                <a16:creationId xmlns:a16="http://schemas.microsoft.com/office/drawing/2014/main" id="{7D3BA573-C352-46A1-A9D7-969987561C38}"/>
               </a:ext>
             </a:extLst>
           </p:cNvPr>
@@ -5609,7 +5609,7 @@
           <p:cNvPr id="4" name="Date Placeholder 3">
             <a:extLst>
               <a:ext uri="{FF2B5EF4-FFF2-40B4-BE49-F238E27FC236}">
-                <a16:creationId xmlns="" xmlns:a16="http://schemas.microsoft.com/office/drawing/2014/main" id="{F1BA29C4-F0DF-473A-AF84-3572AB7211F5}"/>
+                <a16:creationId xmlns:a16="http://schemas.microsoft.com/office/drawing/2014/main" id="{F1BA29C4-F0DF-473A-AF84-3572AB7211F5}"/>
               </a:ext>
             </a:extLst>
           </p:cNvPr>
@@ -5638,7 +5638,7 @@
           <p:cNvPr id="5" name="Footer Placeholder 4">
             <a:extLst>
               <a:ext uri="{FF2B5EF4-FFF2-40B4-BE49-F238E27FC236}">
-                <a16:creationId xmlns="" xmlns:a16="http://schemas.microsoft.com/office/drawing/2014/main" id="{99BCF1D9-AFA4-437D-A014-D039F746082A}"/>
+                <a16:creationId xmlns:a16="http://schemas.microsoft.com/office/drawing/2014/main" id="{99BCF1D9-AFA4-437D-A014-D039F746082A}"/>
               </a:ext>
             </a:extLst>
           </p:cNvPr>
@@ -5663,7 +5663,7 @@
           <p:cNvPr id="6" name="Slide Number Placeholder 5">
             <a:extLst>
               <a:ext uri="{FF2B5EF4-FFF2-40B4-BE49-F238E27FC236}">
-                <a16:creationId xmlns="" xmlns:a16="http://schemas.microsoft.com/office/drawing/2014/main" id="{477A2EBE-A687-45F8-8E43-CCF51EF8A7FE}"/>
+                <a16:creationId xmlns:a16="http://schemas.microsoft.com/office/drawing/2014/main" id="{477A2EBE-A687-45F8-8E43-CCF51EF8A7FE}"/>
               </a:ext>
             </a:extLst>
           </p:cNvPr>
@@ -5722,7 +5722,7 @@
           <p:cNvPr id="2" name="Vertical Title 1">
             <a:extLst>
               <a:ext uri="{FF2B5EF4-FFF2-40B4-BE49-F238E27FC236}">
-                <a16:creationId xmlns="" xmlns:a16="http://schemas.microsoft.com/office/drawing/2014/main" id="{D073D44B-91FC-4E46-AE45-86CE8E7B6EC0}"/>
+                <a16:creationId xmlns:a16="http://schemas.microsoft.com/office/drawing/2014/main" id="{D073D44B-91FC-4E46-AE45-86CE8E7B6EC0}"/>
               </a:ext>
             </a:extLst>
           </p:cNvPr>
@@ -5755,7 +5755,7 @@
           <p:cNvPr id="3" name="Vertical Text Placeholder 2">
             <a:extLst>
               <a:ext uri="{FF2B5EF4-FFF2-40B4-BE49-F238E27FC236}">
-                <a16:creationId xmlns="" xmlns:a16="http://schemas.microsoft.com/office/drawing/2014/main" id="{C6C0A9D6-0319-40A3-9E6B-3B0EFA4D471C}"/>
+                <a16:creationId xmlns:a16="http://schemas.microsoft.com/office/drawing/2014/main" id="{C6C0A9D6-0319-40A3-9E6B-3B0EFA4D471C}"/>
               </a:ext>
             </a:extLst>
           </p:cNvPr>
@@ -5817,7 +5817,7 @@
           <p:cNvPr id="4" name="Date Placeholder 3">
             <a:extLst>
               <a:ext uri="{FF2B5EF4-FFF2-40B4-BE49-F238E27FC236}">
-                <a16:creationId xmlns="" xmlns:a16="http://schemas.microsoft.com/office/drawing/2014/main" id="{E24C1A50-5C87-467B-A7C4-6A0843C6AACE}"/>
+                <a16:creationId xmlns:a16="http://schemas.microsoft.com/office/drawing/2014/main" id="{E24C1A50-5C87-467B-A7C4-6A0843C6AACE}"/>
               </a:ext>
             </a:extLst>
           </p:cNvPr>
@@ -5846,7 +5846,7 @@
           <p:cNvPr id="5" name="Footer Placeholder 4">
             <a:extLst>
               <a:ext uri="{FF2B5EF4-FFF2-40B4-BE49-F238E27FC236}">
-                <a16:creationId xmlns="" xmlns:a16="http://schemas.microsoft.com/office/drawing/2014/main" id="{A7DBC687-7231-499D-8C04-D28756B35529}"/>
+                <a16:creationId xmlns:a16="http://schemas.microsoft.com/office/drawing/2014/main" id="{A7DBC687-7231-499D-8C04-D28756B35529}"/>
               </a:ext>
             </a:extLst>
           </p:cNvPr>
@@ -5871,7 +5871,7 @@
           <p:cNvPr id="6" name="Slide Number Placeholder 5">
             <a:extLst>
               <a:ext uri="{FF2B5EF4-FFF2-40B4-BE49-F238E27FC236}">
-                <a16:creationId xmlns="" xmlns:a16="http://schemas.microsoft.com/office/drawing/2014/main" id="{D2E55FB4-382C-4E6C-BBCE-22AE7988668F}"/>
+                <a16:creationId xmlns:a16="http://schemas.microsoft.com/office/drawing/2014/main" id="{D2E55FB4-382C-4E6C-BBCE-22AE7988668F}"/>
               </a:ext>
             </a:extLst>
           </p:cNvPr>
@@ -5930,7 +5930,7 @@
           <p:cNvPr id="2" name="Title 1">
             <a:extLst>
               <a:ext uri="{FF2B5EF4-FFF2-40B4-BE49-F238E27FC236}">
-                <a16:creationId xmlns="" xmlns:a16="http://schemas.microsoft.com/office/drawing/2014/main" id="{98A8ACE3-ABA5-497F-B402-8DC42C9D067F}"/>
+                <a16:creationId xmlns:a16="http://schemas.microsoft.com/office/drawing/2014/main" id="{98A8ACE3-ABA5-497F-B402-8DC42C9D067F}"/>
               </a:ext>
             </a:extLst>
           </p:cNvPr>
@@ -5958,7 +5958,7 @@
           <p:cNvPr id="3" name="Content Placeholder 2">
             <a:extLst>
               <a:ext uri="{FF2B5EF4-FFF2-40B4-BE49-F238E27FC236}">
-                <a16:creationId xmlns="" xmlns:a16="http://schemas.microsoft.com/office/drawing/2014/main" id="{E0F1BAC3-966A-4323-B970-65C29C5C417B}"/>
+                <a16:creationId xmlns:a16="http://schemas.microsoft.com/office/drawing/2014/main" id="{E0F1BAC3-966A-4323-B970-65C29C5C417B}"/>
               </a:ext>
             </a:extLst>
           </p:cNvPr>
@@ -6015,7 +6015,7 @@
           <p:cNvPr id="4" name="Date Placeholder 3">
             <a:extLst>
               <a:ext uri="{FF2B5EF4-FFF2-40B4-BE49-F238E27FC236}">
-                <a16:creationId xmlns="" xmlns:a16="http://schemas.microsoft.com/office/drawing/2014/main" id="{9C3EECC1-969E-4374-A0DD-07E2D200FACB}"/>
+                <a16:creationId xmlns:a16="http://schemas.microsoft.com/office/drawing/2014/main" id="{9C3EECC1-969E-4374-A0DD-07E2D200FACB}"/>
               </a:ext>
             </a:extLst>
           </p:cNvPr>
@@ -6044,7 +6044,7 @@
           <p:cNvPr id="5" name="Footer Placeholder 4">
             <a:extLst>
               <a:ext uri="{FF2B5EF4-FFF2-40B4-BE49-F238E27FC236}">
-                <a16:creationId xmlns="" xmlns:a16="http://schemas.microsoft.com/office/drawing/2014/main" id="{63AA7379-2F0D-4A22-9D95-496969919E1D}"/>
+                <a16:creationId xmlns:a16="http://schemas.microsoft.com/office/drawing/2014/main" id="{63AA7379-2F0D-4A22-9D95-496969919E1D}"/>
               </a:ext>
             </a:extLst>
           </p:cNvPr>
@@ -6069,7 +6069,7 @@
           <p:cNvPr id="6" name="Slide Number Placeholder 5">
             <a:extLst>
               <a:ext uri="{FF2B5EF4-FFF2-40B4-BE49-F238E27FC236}">
-                <a16:creationId xmlns="" xmlns:a16="http://schemas.microsoft.com/office/drawing/2014/main" id="{E7A7ADAC-87AE-4D25-8BAD-B49421DF4232}"/>
+                <a16:creationId xmlns:a16="http://schemas.microsoft.com/office/drawing/2014/main" id="{E7A7ADAC-87AE-4D25-8BAD-B49421DF4232}"/>
               </a:ext>
             </a:extLst>
           </p:cNvPr>
@@ -6128,7 +6128,7 @@
           <p:cNvPr id="2" name="Title 1">
             <a:extLst>
               <a:ext uri="{FF2B5EF4-FFF2-40B4-BE49-F238E27FC236}">
-                <a16:creationId xmlns="" xmlns:a16="http://schemas.microsoft.com/office/drawing/2014/main" id="{C069FEC6-6106-46A3-8A0C-60F10327B5FC}"/>
+                <a16:creationId xmlns:a16="http://schemas.microsoft.com/office/drawing/2014/main" id="{C069FEC6-6106-46A3-8A0C-60F10327B5FC}"/>
               </a:ext>
             </a:extLst>
           </p:cNvPr>
@@ -6165,7 +6165,7 @@
           <p:cNvPr id="3" name="Text Placeholder 2">
             <a:extLst>
               <a:ext uri="{FF2B5EF4-FFF2-40B4-BE49-F238E27FC236}">
-                <a16:creationId xmlns="" xmlns:a16="http://schemas.microsoft.com/office/drawing/2014/main" id="{B0A98B17-A0BB-40E9-83F6-2E40901B69AA}"/>
+                <a16:creationId xmlns:a16="http://schemas.microsoft.com/office/drawing/2014/main" id="{B0A98B17-A0BB-40E9-83F6-2E40901B69AA}"/>
               </a:ext>
             </a:extLst>
           </p:cNvPr>
@@ -6290,7 +6290,7 @@
           <p:cNvPr id="4" name="Date Placeholder 3">
             <a:extLst>
               <a:ext uri="{FF2B5EF4-FFF2-40B4-BE49-F238E27FC236}">
-                <a16:creationId xmlns="" xmlns:a16="http://schemas.microsoft.com/office/drawing/2014/main" id="{753A77B6-F3A8-4FFC-8BD6-A296315587C4}"/>
+                <a16:creationId xmlns:a16="http://schemas.microsoft.com/office/drawing/2014/main" id="{753A77B6-F3A8-4FFC-8BD6-A296315587C4}"/>
               </a:ext>
             </a:extLst>
           </p:cNvPr>
@@ -6319,7 +6319,7 @@
           <p:cNvPr id="5" name="Footer Placeholder 4">
             <a:extLst>
               <a:ext uri="{FF2B5EF4-FFF2-40B4-BE49-F238E27FC236}">
-                <a16:creationId xmlns="" xmlns:a16="http://schemas.microsoft.com/office/drawing/2014/main" id="{D5AF541E-40C5-4DF5-9AA4-FFCA11673B69}"/>
+                <a16:creationId xmlns:a16="http://schemas.microsoft.com/office/drawing/2014/main" id="{D5AF541E-40C5-4DF5-9AA4-FFCA11673B69}"/>
               </a:ext>
             </a:extLst>
           </p:cNvPr>
@@ -6344,7 +6344,7 @@
           <p:cNvPr id="6" name="Slide Number Placeholder 5">
             <a:extLst>
               <a:ext uri="{FF2B5EF4-FFF2-40B4-BE49-F238E27FC236}">
-                <a16:creationId xmlns="" xmlns:a16="http://schemas.microsoft.com/office/drawing/2014/main" id="{ECF717A8-6EFF-40A3-985A-8490714C44F2}"/>
+                <a16:creationId xmlns:a16="http://schemas.microsoft.com/office/drawing/2014/main" id="{ECF717A8-6EFF-40A3-985A-8490714C44F2}"/>
               </a:ext>
             </a:extLst>
           </p:cNvPr>
@@ -6403,7 +6403,7 @@
           <p:cNvPr id="2" name="Title 1">
             <a:extLst>
               <a:ext uri="{FF2B5EF4-FFF2-40B4-BE49-F238E27FC236}">
-                <a16:creationId xmlns="" xmlns:a16="http://schemas.microsoft.com/office/drawing/2014/main" id="{B82B55F1-3114-49B5-9D34-27437253BDD4}"/>
+                <a16:creationId xmlns:a16="http://schemas.microsoft.com/office/drawing/2014/main" id="{B82B55F1-3114-49B5-9D34-27437253BDD4}"/>
               </a:ext>
             </a:extLst>
           </p:cNvPr>
@@ -6431,7 +6431,7 @@
           <p:cNvPr id="3" name="Content Placeholder 2">
             <a:extLst>
               <a:ext uri="{FF2B5EF4-FFF2-40B4-BE49-F238E27FC236}">
-                <a16:creationId xmlns="" xmlns:a16="http://schemas.microsoft.com/office/drawing/2014/main" id="{D78F6BF2-AF0B-49F5-A1C8-5CB2F790A952}"/>
+                <a16:creationId xmlns:a16="http://schemas.microsoft.com/office/drawing/2014/main" id="{D78F6BF2-AF0B-49F5-A1C8-5CB2F790A952}"/>
               </a:ext>
             </a:extLst>
           </p:cNvPr>
@@ -6493,7 +6493,7 @@
           <p:cNvPr id="4" name="Content Placeholder 3">
             <a:extLst>
               <a:ext uri="{FF2B5EF4-FFF2-40B4-BE49-F238E27FC236}">
-                <a16:creationId xmlns="" xmlns:a16="http://schemas.microsoft.com/office/drawing/2014/main" id="{DE3D1C98-6F43-458F-B026-1488F7958B55}"/>
+                <a16:creationId xmlns:a16="http://schemas.microsoft.com/office/drawing/2014/main" id="{DE3D1C98-6F43-458F-B026-1488F7958B55}"/>
               </a:ext>
             </a:extLst>
           </p:cNvPr>
@@ -6555,7 +6555,7 @@
           <p:cNvPr id="5" name="Date Placeholder 4">
             <a:extLst>
               <a:ext uri="{FF2B5EF4-FFF2-40B4-BE49-F238E27FC236}">
-                <a16:creationId xmlns="" xmlns:a16="http://schemas.microsoft.com/office/drawing/2014/main" id="{C7D004A0-CB96-4E21-A678-39C37D814ED2}"/>
+                <a16:creationId xmlns:a16="http://schemas.microsoft.com/office/drawing/2014/main" id="{C7D004A0-CB96-4E21-A678-39C37D814ED2}"/>
               </a:ext>
             </a:extLst>
           </p:cNvPr>
@@ -6584,7 +6584,7 @@
           <p:cNvPr id="6" name="Footer Placeholder 5">
             <a:extLst>
               <a:ext uri="{FF2B5EF4-FFF2-40B4-BE49-F238E27FC236}">
-                <a16:creationId xmlns="" xmlns:a16="http://schemas.microsoft.com/office/drawing/2014/main" id="{4E3D6B65-1FD8-42A4-981A-749270DB698C}"/>
+                <a16:creationId xmlns:a16="http://schemas.microsoft.com/office/drawing/2014/main" id="{4E3D6B65-1FD8-42A4-981A-749270DB698C}"/>
               </a:ext>
             </a:extLst>
           </p:cNvPr>
@@ -6609,7 +6609,7 @@
           <p:cNvPr id="7" name="Slide Number Placeholder 6">
             <a:extLst>
               <a:ext uri="{FF2B5EF4-FFF2-40B4-BE49-F238E27FC236}">
-                <a16:creationId xmlns="" xmlns:a16="http://schemas.microsoft.com/office/drawing/2014/main" id="{B13C0180-9791-4ADE-AC70-BBFA48C7D2AC}"/>
+                <a16:creationId xmlns:a16="http://schemas.microsoft.com/office/drawing/2014/main" id="{B13C0180-9791-4ADE-AC70-BBFA48C7D2AC}"/>
               </a:ext>
             </a:extLst>
           </p:cNvPr>
@@ -6668,7 +6668,7 @@
           <p:cNvPr id="2" name="Title 1">
             <a:extLst>
               <a:ext uri="{FF2B5EF4-FFF2-40B4-BE49-F238E27FC236}">
-                <a16:creationId xmlns="" xmlns:a16="http://schemas.microsoft.com/office/drawing/2014/main" id="{10CC678D-06CA-4FEF-AD6D-A6D964F953D0}"/>
+                <a16:creationId xmlns:a16="http://schemas.microsoft.com/office/drawing/2014/main" id="{10CC678D-06CA-4FEF-AD6D-A6D964F953D0}"/>
               </a:ext>
             </a:extLst>
           </p:cNvPr>
@@ -6701,7 +6701,7 @@
           <p:cNvPr id="3" name="Text Placeholder 2">
             <a:extLst>
               <a:ext uri="{FF2B5EF4-FFF2-40B4-BE49-F238E27FC236}">
-                <a16:creationId xmlns="" xmlns:a16="http://schemas.microsoft.com/office/drawing/2014/main" id="{0838CE19-F3D8-438D-B282-EEB9C3534D11}"/>
+                <a16:creationId xmlns:a16="http://schemas.microsoft.com/office/drawing/2014/main" id="{0838CE19-F3D8-438D-B282-EEB9C3534D11}"/>
               </a:ext>
             </a:extLst>
           </p:cNvPr>
@@ -6772,7 +6772,7 @@
           <p:cNvPr id="4" name="Content Placeholder 3">
             <a:extLst>
               <a:ext uri="{FF2B5EF4-FFF2-40B4-BE49-F238E27FC236}">
-                <a16:creationId xmlns="" xmlns:a16="http://schemas.microsoft.com/office/drawing/2014/main" id="{8FC17B3B-DE24-4C27-AE02-BD9B025826D5}"/>
+                <a16:creationId xmlns:a16="http://schemas.microsoft.com/office/drawing/2014/main" id="{8FC17B3B-DE24-4C27-AE02-BD9B025826D5}"/>
               </a:ext>
             </a:extLst>
           </p:cNvPr>
@@ -6834,7 +6834,7 @@
           <p:cNvPr id="5" name="Text Placeholder 4">
             <a:extLst>
               <a:ext uri="{FF2B5EF4-FFF2-40B4-BE49-F238E27FC236}">
-                <a16:creationId xmlns="" xmlns:a16="http://schemas.microsoft.com/office/drawing/2014/main" id="{FE7DADFA-C86F-45C1-9080-2C819119E0E0}"/>
+                <a16:creationId xmlns:a16="http://schemas.microsoft.com/office/drawing/2014/main" id="{FE7DADFA-C86F-45C1-9080-2C819119E0E0}"/>
               </a:ext>
             </a:extLst>
           </p:cNvPr>
@@ -6905,7 +6905,7 @@
           <p:cNvPr id="6" name="Content Placeholder 5">
             <a:extLst>
               <a:ext uri="{FF2B5EF4-FFF2-40B4-BE49-F238E27FC236}">
-                <a16:creationId xmlns="" xmlns:a16="http://schemas.microsoft.com/office/drawing/2014/main" id="{8C610FA5-BA5C-4015-9938-75250F24805A}"/>
+                <a16:creationId xmlns:a16="http://schemas.microsoft.com/office/drawing/2014/main" id="{8C610FA5-BA5C-4015-9938-75250F24805A}"/>
               </a:ext>
             </a:extLst>
           </p:cNvPr>
@@ -6967,7 +6967,7 @@
           <p:cNvPr id="7" name="Date Placeholder 6">
             <a:extLst>
               <a:ext uri="{FF2B5EF4-FFF2-40B4-BE49-F238E27FC236}">
-                <a16:creationId xmlns="" xmlns:a16="http://schemas.microsoft.com/office/drawing/2014/main" id="{6E99F4F8-4FA0-4CA7-83CF-68B226751271}"/>
+                <a16:creationId xmlns:a16="http://schemas.microsoft.com/office/drawing/2014/main" id="{6E99F4F8-4FA0-4CA7-83CF-68B226751271}"/>
               </a:ext>
             </a:extLst>
           </p:cNvPr>
@@ -6996,7 +6996,7 @@
           <p:cNvPr id="8" name="Footer Placeholder 7">
             <a:extLst>
               <a:ext uri="{FF2B5EF4-FFF2-40B4-BE49-F238E27FC236}">
-                <a16:creationId xmlns="" xmlns:a16="http://schemas.microsoft.com/office/drawing/2014/main" id="{E59F1EEA-F77A-4867-B273-1F987A3112FD}"/>
+                <a16:creationId xmlns:a16="http://schemas.microsoft.com/office/drawing/2014/main" id="{E59F1EEA-F77A-4867-B273-1F987A3112FD}"/>
               </a:ext>
             </a:extLst>
           </p:cNvPr>
@@ -7021,7 +7021,7 @@
           <p:cNvPr id="9" name="Slide Number Placeholder 8">
             <a:extLst>
               <a:ext uri="{FF2B5EF4-FFF2-40B4-BE49-F238E27FC236}">
-                <a16:creationId xmlns="" xmlns:a16="http://schemas.microsoft.com/office/drawing/2014/main" id="{F472CA16-9CF3-4CCC-A83C-D9D3A44A4EFC}"/>
+                <a16:creationId xmlns:a16="http://schemas.microsoft.com/office/drawing/2014/main" id="{F472CA16-9CF3-4CCC-A83C-D9D3A44A4EFC}"/>
               </a:ext>
             </a:extLst>
           </p:cNvPr>
@@ -7080,7 +7080,7 @@
           <p:cNvPr id="2" name="Title 1">
             <a:extLst>
               <a:ext uri="{FF2B5EF4-FFF2-40B4-BE49-F238E27FC236}">
-                <a16:creationId xmlns="" xmlns:a16="http://schemas.microsoft.com/office/drawing/2014/main" id="{EB11BF20-E7FE-4C1F-B608-A6C42F078E57}"/>
+                <a16:creationId xmlns:a16="http://schemas.microsoft.com/office/drawing/2014/main" id="{EB11BF20-E7FE-4C1F-B608-A6C42F078E57}"/>
               </a:ext>
             </a:extLst>
           </p:cNvPr>
@@ -7108,7 +7108,7 @@
           <p:cNvPr id="3" name="Date Placeholder 2">
             <a:extLst>
               <a:ext uri="{FF2B5EF4-FFF2-40B4-BE49-F238E27FC236}">
-                <a16:creationId xmlns="" xmlns:a16="http://schemas.microsoft.com/office/drawing/2014/main" id="{189DF095-00C9-4121-A228-191E21380CF3}"/>
+                <a16:creationId xmlns:a16="http://schemas.microsoft.com/office/drawing/2014/main" id="{189DF095-00C9-4121-A228-191E21380CF3}"/>
               </a:ext>
             </a:extLst>
           </p:cNvPr>
@@ -7137,7 +7137,7 @@
           <p:cNvPr id="4" name="Footer Placeholder 3">
             <a:extLst>
               <a:ext uri="{FF2B5EF4-FFF2-40B4-BE49-F238E27FC236}">
-                <a16:creationId xmlns="" xmlns:a16="http://schemas.microsoft.com/office/drawing/2014/main" id="{357DFE8F-1202-47BA-9792-057A0666AEB8}"/>
+                <a16:creationId xmlns:a16="http://schemas.microsoft.com/office/drawing/2014/main" id="{357DFE8F-1202-47BA-9792-057A0666AEB8}"/>
               </a:ext>
             </a:extLst>
           </p:cNvPr>
@@ -7162,7 +7162,7 @@
           <p:cNvPr id="5" name="Slide Number Placeholder 4">
             <a:extLst>
               <a:ext uri="{FF2B5EF4-FFF2-40B4-BE49-F238E27FC236}">
-                <a16:creationId xmlns="" xmlns:a16="http://schemas.microsoft.com/office/drawing/2014/main" id="{C529FDE9-94C5-4215-A342-838337B73D0C}"/>
+                <a16:creationId xmlns:a16="http://schemas.microsoft.com/office/drawing/2014/main" id="{C529FDE9-94C5-4215-A342-838337B73D0C}"/>
               </a:ext>
             </a:extLst>
           </p:cNvPr>
@@ -7221,7 +7221,7 @@
           <p:cNvPr id="2" name="Date Placeholder 1">
             <a:extLst>
               <a:ext uri="{FF2B5EF4-FFF2-40B4-BE49-F238E27FC236}">
-                <a16:creationId xmlns="" xmlns:a16="http://schemas.microsoft.com/office/drawing/2014/main" id="{E5229D22-9E35-46EE-95EF-E9FF5BF2AA64}"/>
+                <a16:creationId xmlns:a16="http://schemas.microsoft.com/office/drawing/2014/main" id="{E5229D22-9E35-46EE-95EF-E9FF5BF2AA64}"/>
               </a:ext>
             </a:extLst>
           </p:cNvPr>
@@ -7250,7 +7250,7 @@
           <p:cNvPr id="3" name="Footer Placeholder 2">
             <a:extLst>
               <a:ext uri="{FF2B5EF4-FFF2-40B4-BE49-F238E27FC236}">
-                <a16:creationId xmlns="" xmlns:a16="http://schemas.microsoft.com/office/drawing/2014/main" id="{494B0981-6755-4D46-8493-5418DA11461F}"/>
+                <a16:creationId xmlns:a16="http://schemas.microsoft.com/office/drawing/2014/main" id="{494B0981-6755-4D46-8493-5418DA11461F}"/>
               </a:ext>
             </a:extLst>
           </p:cNvPr>
@@ -7275,7 +7275,7 @@
           <p:cNvPr id="4" name="Slide Number Placeholder 3">
             <a:extLst>
               <a:ext uri="{FF2B5EF4-FFF2-40B4-BE49-F238E27FC236}">
-                <a16:creationId xmlns="" xmlns:a16="http://schemas.microsoft.com/office/drawing/2014/main" id="{6E733BF2-6C03-46BC-886C-809FAE448CF9}"/>
+                <a16:creationId xmlns:a16="http://schemas.microsoft.com/office/drawing/2014/main" id="{6E733BF2-6C03-46BC-886C-809FAE448CF9}"/>
               </a:ext>
             </a:extLst>
           </p:cNvPr>
@@ -7334,7 +7334,7 @@
           <p:cNvPr id="2" name="Title 1">
             <a:extLst>
               <a:ext uri="{FF2B5EF4-FFF2-40B4-BE49-F238E27FC236}">
-                <a16:creationId xmlns="" xmlns:a16="http://schemas.microsoft.com/office/drawing/2014/main" id="{1315244E-0219-43C8-A462-B050AA4D8B61}"/>
+                <a16:creationId xmlns:a16="http://schemas.microsoft.com/office/drawing/2014/main" id="{1315244E-0219-43C8-A462-B050AA4D8B61}"/>
               </a:ext>
             </a:extLst>
           </p:cNvPr>
@@ -7371,7 +7371,7 @@
           <p:cNvPr id="3" name="Content Placeholder 2">
             <a:extLst>
               <a:ext uri="{FF2B5EF4-FFF2-40B4-BE49-F238E27FC236}">
-                <a16:creationId xmlns="" xmlns:a16="http://schemas.microsoft.com/office/drawing/2014/main" id="{4BD5FA65-5CA4-463A-9653-0B8D95647016}"/>
+                <a16:creationId xmlns:a16="http://schemas.microsoft.com/office/drawing/2014/main" id="{4BD5FA65-5CA4-463A-9653-0B8D95647016}"/>
               </a:ext>
             </a:extLst>
           </p:cNvPr>
@@ -7461,7 +7461,7 @@
           <p:cNvPr id="4" name="Text Placeholder 3">
             <a:extLst>
               <a:ext uri="{FF2B5EF4-FFF2-40B4-BE49-F238E27FC236}">
-                <a16:creationId xmlns="" xmlns:a16="http://schemas.microsoft.com/office/drawing/2014/main" id="{7A81A1CD-C086-4BE4-834F-180F923D539B}"/>
+                <a16:creationId xmlns:a16="http://schemas.microsoft.com/office/drawing/2014/main" id="{7A81A1CD-C086-4BE4-834F-180F923D539B}"/>
               </a:ext>
             </a:extLst>
           </p:cNvPr>
@@ -7532,7 +7532,7 @@
           <p:cNvPr id="5" name="Date Placeholder 4">
             <a:extLst>
               <a:ext uri="{FF2B5EF4-FFF2-40B4-BE49-F238E27FC236}">
-                <a16:creationId xmlns="" xmlns:a16="http://schemas.microsoft.com/office/drawing/2014/main" id="{0F5A7BD2-BB30-43ED-B2E9-68F264A56E07}"/>
+                <a16:creationId xmlns:a16="http://schemas.microsoft.com/office/drawing/2014/main" id="{0F5A7BD2-BB30-43ED-B2E9-68F264A56E07}"/>
               </a:ext>
             </a:extLst>
           </p:cNvPr>
@@ -7561,7 +7561,7 @@
           <p:cNvPr id="6" name="Footer Placeholder 5">
             <a:extLst>
               <a:ext uri="{FF2B5EF4-FFF2-40B4-BE49-F238E27FC236}">
-                <a16:creationId xmlns="" xmlns:a16="http://schemas.microsoft.com/office/drawing/2014/main" id="{16972E9B-A662-4F9C-9FE8-1FE0FBDF811E}"/>
+                <a16:creationId xmlns:a16="http://schemas.microsoft.com/office/drawing/2014/main" id="{16972E9B-A662-4F9C-9FE8-1FE0FBDF811E}"/>
               </a:ext>
             </a:extLst>
           </p:cNvPr>
@@ -7586,7 +7586,7 @@
           <p:cNvPr id="7" name="Slide Number Placeholder 6">
             <a:extLst>
               <a:ext uri="{FF2B5EF4-FFF2-40B4-BE49-F238E27FC236}">
-                <a16:creationId xmlns="" xmlns:a16="http://schemas.microsoft.com/office/drawing/2014/main" id="{2FF2D642-3213-4582-B6A8-060F5A8C7F39}"/>
+                <a16:creationId xmlns:a16="http://schemas.microsoft.com/office/drawing/2014/main" id="{2FF2D642-3213-4582-B6A8-060F5A8C7F39}"/>
               </a:ext>
             </a:extLst>
           </p:cNvPr>
@@ -7645,7 +7645,7 @@
           <p:cNvPr id="2" name="Title 1">
             <a:extLst>
               <a:ext uri="{FF2B5EF4-FFF2-40B4-BE49-F238E27FC236}">
-                <a16:creationId xmlns="" xmlns:a16="http://schemas.microsoft.com/office/drawing/2014/main" id="{D2DC7C6F-C4A2-46D6-A487-225B0FCADD7F}"/>
+                <a16:creationId xmlns:a16="http://schemas.microsoft.com/office/drawing/2014/main" id="{D2DC7C6F-C4A2-46D6-A487-225B0FCADD7F}"/>
               </a:ext>
             </a:extLst>
           </p:cNvPr>
@@ -7682,7 +7682,7 @@
           <p:cNvPr id="3" name="Picture Placeholder 2">
             <a:extLst>
               <a:ext uri="{FF2B5EF4-FFF2-40B4-BE49-F238E27FC236}">
-                <a16:creationId xmlns="" xmlns:a16="http://schemas.microsoft.com/office/drawing/2014/main" id="{95AB7E70-EBC2-402A-89FD-40654F189EC8}"/>
+                <a16:creationId xmlns:a16="http://schemas.microsoft.com/office/drawing/2014/main" id="{95AB7E70-EBC2-402A-89FD-40654F189EC8}"/>
               </a:ext>
             </a:extLst>
           </p:cNvPr>
@@ -7749,7 +7749,7 @@
           <p:cNvPr id="4" name="Text Placeholder 3">
             <a:extLst>
               <a:ext uri="{FF2B5EF4-FFF2-40B4-BE49-F238E27FC236}">
-                <a16:creationId xmlns="" xmlns:a16="http://schemas.microsoft.com/office/drawing/2014/main" id="{F51F0FA0-5A0C-43E8-8135-3CEA1502760A}"/>
+                <a16:creationId xmlns:a16="http://schemas.microsoft.com/office/drawing/2014/main" id="{F51F0FA0-5A0C-43E8-8135-3CEA1502760A}"/>
               </a:ext>
             </a:extLst>
           </p:cNvPr>
@@ -7820,7 +7820,7 @@
           <p:cNvPr id="5" name="Date Placeholder 4">
             <a:extLst>
               <a:ext uri="{FF2B5EF4-FFF2-40B4-BE49-F238E27FC236}">
-                <a16:creationId xmlns="" xmlns:a16="http://schemas.microsoft.com/office/drawing/2014/main" id="{31092137-F02A-4210-BC94-6E446089DC5D}"/>
+                <a16:creationId xmlns:a16="http://schemas.microsoft.com/office/drawing/2014/main" id="{31092137-F02A-4210-BC94-6E446089DC5D}"/>
               </a:ext>
             </a:extLst>
           </p:cNvPr>
@@ -7849,7 +7849,7 @@
           <p:cNvPr id="6" name="Footer Placeholder 5">
             <a:extLst>
               <a:ext uri="{FF2B5EF4-FFF2-40B4-BE49-F238E27FC236}">
-                <a16:creationId xmlns="" xmlns:a16="http://schemas.microsoft.com/office/drawing/2014/main" id="{D5440B88-271D-4CB6-89D9-8A4280A39E24}"/>
+                <a16:creationId xmlns:a16="http://schemas.microsoft.com/office/drawing/2014/main" id="{D5440B88-271D-4CB6-89D9-8A4280A39E24}"/>
               </a:ext>
             </a:extLst>
           </p:cNvPr>
@@ -7874,7 +7874,7 @@
           <p:cNvPr id="7" name="Slide Number Placeholder 6">
             <a:extLst>
               <a:ext uri="{FF2B5EF4-FFF2-40B4-BE49-F238E27FC236}">
-                <a16:creationId xmlns="" xmlns:a16="http://schemas.microsoft.com/office/drawing/2014/main" id="{97359E73-3BF7-4DBB-8EDF-B328D926DDDB}"/>
+                <a16:creationId xmlns:a16="http://schemas.microsoft.com/office/drawing/2014/main" id="{97359E73-3BF7-4DBB-8EDF-B328D926DDDB}"/>
               </a:ext>
             </a:extLst>
           </p:cNvPr>
@@ -7938,7 +7938,7 @@
           <p:cNvPr id="2" name="Title Placeholder 1">
             <a:extLst>
               <a:ext uri="{FF2B5EF4-FFF2-40B4-BE49-F238E27FC236}">
-                <a16:creationId xmlns="" xmlns:a16="http://schemas.microsoft.com/office/drawing/2014/main" id="{ABE57163-5E5E-4024-B604-AEA9E8F6C339}"/>
+                <a16:creationId xmlns:a16="http://schemas.microsoft.com/office/drawing/2014/main" id="{ABE57163-5E5E-4024-B604-AEA9E8F6C339}"/>
               </a:ext>
             </a:extLst>
           </p:cNvPr>
@@ -7976,7 +7976,7 @@
           <p:cNvPr id="3" name="Text Placeholder 2">
             <a:extLst>
               <a:ext uri="{FF2B5EF4-FFF2-40B4-BE49-F238E27FC236}">
-                <a16:creationId xmlns="" xmlns:a16="http://schemas.microsoft.com/office/drawing/2014/main" id="{90B5B0FA-BCB3-430E-BA86-275B53648F4A}"/>
+                <a16:creationId xmlns:a16="http://schemas.microsoft.com/office/drawing/2014/main" id="{90B5B0FA-BCB3-430E-BA86-275B53648F4A}"/>
               </a:ext>
             </a:extLst>
           </p:cNvPr>
@@ -8043,7 +8043,7 @@
           <p:cNvPr id="4" name="Date Placeholder 3">
             <a:extLst>
               <a:ext uri="{FF2B5EF4-FFF2-40B4-BE49-F238E27FC236}">
-                <a16:creationId xmlns="" xmlns:a16="http://schemas.microsoft.com/office/drawing/2014/main" id="{C9A7461D-826C-4354-9110-58738FC38631}"/>
+                <a16:creationId xmlns:a16="http://schemas.microsoft.com/office/drawing/2014/main" id="{C9A7461D-826C-4354-9110-58738FC38631}"/>
               </a:ext>
             </a:extLst>
           </p:cNvPr>
@@ -8090,7 +8090,7 @@
           <p:cNvPr id="5" name="Footer Placeholder 4">
             <a:extLst>
               <a:ext uri="{FF2B5EF4-FFF2-40B4-BE49-F238E27FC236}">
-                <a16:creationId xmlns="" xmlns:a16="http://schemas.microsoft.com/office/drawing/2014/main" id="{85B3AA24-6BFD-4CC2-B305-AD5B64DBDC7C}"/>
+                <a16:creationId xmlns:a16="http://schemas.microsoft.com/office/drawing/2014/main" id="{85B3AA24-6BFD-4CC2-B305-AD5B64DBDC7C}"/>
               </a:ext>
             </a:extLst>
           </p:cNvPr>
@@ -8133,7 +8133,7 @@
           <p:cNvPr id="6" name="Slide Number Placeholder 5">
             <a:extLst>
               <a:ext uri="{FF2B5EF4-FFF2-40B4-BE49-F238E27FC236}">
-                <a16:creationId xmlns="" xmlns:a16="http://schemas.microsoft.com/office/drawing/2014/main" id="{A4413ACE-E4D9-40D6-9282-7A6BF98C1EF8}"/>
+                <a16:creationId xmlns:a16="http://schemas.microsoft.com/office/drawing/2014/main" id="{A4413ACE-E4D9-40D6-9282-7A6BF98C1EF8}"/>
               </a:ext>
             </a:extLst>
           </p:cNvPr>
@@ -8559,7 +8559,7 @@
           <p:cNvPr id="39" name="Rectangle 38">
             <a:extLst>
               <a:ext uri="{FF2B5EF4-FFF2-40B4-BE49-F238E27FC236}">
-                <a16:creationId xmlns="" xmlns:a16="http://schemas.microsoft.com/office/drawing/2014/main" id="{C1C163D1-85A2-4643-BA3C-22035ECBF6E9}"/>
+                <a16:creationId xmlns:a16="http://schemas.microsoft.com/office/drawing/2014/main" id="{C1C163D1-85A2-4643-BA3C-22035ECBF6E9}"/>
               </a:ext>
             </a:extLst>
           </p:cNvPr>
@@ -8613,7 +8613,7 @@
           <p:cNvPr id="5" name="Rectangle 4">
             <a:extLst>
               <a:ext uri="{FF2B5EF4-FFF2-40B4-BE49-F238E27FC236}">
-                <a16:creationId xmlns="" xmlns:a16="http://schemas.microsoft.com/office/drawing/2014/main" id="{12131ED0-4950-475C-B7DC-450FBBF3C54A}"/>
+                <a16:creationId xmlns:a16="http://schemas.microsoft.com/office/drawing/2014/main" id="{12131ED0-4950-475C-B7DC-450FBBF3C54A}"/>
               </a:ext>
             </a:extLst>
           </p:cNvPr>
@@ -8665,7 +8665,7 @@
           <p:cNvPr id="4" name="TextBox 3">
             <a:extLst>
               <a:ext uri="{FF2B5EF4-FFF2-40B4-BE49-F238E27FC236}">
-                <a16:creationId xmlns="" xmlns:a16="http://schemas.microsoft.com/office/drawing/2014/main" id="{DB2A6D78-D3DF-4739-BCDE-EE78ED59B04D}"/>
+                <a16:creationId xmlns:a16="http://schemas.microsoft.com/office/drawing/2014/main" id="{DB2A6D78-D3DF-4739-BCDE-EE78ED59B04D}"/>
               </a:ext>
             </a:extLst>
           </p:cNvPr>
@@ -8726,7 +8726,7 @@
           <p:cNvPr id="8" name="TextBox 7">
             <a:extLst>
               <a:ext uri="{FF2B5EF4-FFF2-40B4-BE49-F238E27FC236}">
-                <a16:creationId xmlns="" xmlns:a16="http://schemas.microsoft.com/office/drawing/2014/main" id="{2374E9AE-8D65-4C85-A4AC-BBB9AA519202}"/>
+                <a16:creationId xmlns:a16="http://schemas.microsoft.com/office/drawing/2014/main" id="{2374E9AE-8D65-4C85-A4AC-BBB9AA519202}"/>
               </a:ext>
             </a:extLst>
           </p:cNvPr>
@@ -8766,7 +8766,7 @@
           <p:cNvPr id="47" name="Rectangle: Rounded Corners 5">
             <a:extLst>
               <a:ext uri="{FF2B5EF4-FFF2-40B4-BE49-F238E27FC236}">
-                <a16:creationId xmlns="" xmlns:a16="http://schemas.microsoft.com/office/drawing/2014/main" id="{682EAE92-D6DF-494B-9CC1-FF2B7145CC2C}"/>
+                <a16:creationId xmlns:a16="http://schemas.microsoft.com/office/drawing/2014/main" id="{682EAE92-D6DF-494B-9CC1-FF2B7145CC2C}"/>
               </a:ext>
             </a:extLst>
           </p:cNvPr>
@@ -8817,10 +8817,9 @@
           <a:p>
             <a:pPr algn="ctr"/>
             <a:r>
-              <a:rPr lang="en-US" dirty="0" smtClean="0"/>
+              <a:rPr lang="en-US" dirty="0"/>
               <a:t>Margin</a:t>
             </a:r>
-            <a:endParaRPr lang="en-US" dirty="0"/>
           </a:p>
         </p:txBody>
       </p:sp>
@@ -8829,7 +8828,7 @@
           <p:cNvPr id="2" name="TextBox 1">
             <a:extLst>
               <a:ext uri="{FF2B5EF4-FFF2-40B4-BE49-F238E27FC236}">
-                <a16:creationId xmlns="" xmlns:a16="http://schemas.microsoft.com/office/drawing/2014/main" id="{1B819E04-FB3A-4140-997F-C60523568632}"/>
+                <a16:creationId xmlns:a16="http://schemas.microsoft.com/office/drawing/2014/main" id="{1B819E04-FB3A-4140-997F-C60523568632}"/>
               </a:ext>
             </a:extLst>
           </p:cNvPr>
@@ -8853,44 +8852,24 @@
           <a:lstStyle/>
           <a:p>
             <a:r>
-              <a:rPr lang="bg-BG" sz="1600" dirty="0" smtClean="0">
+              <a:rPr lang="bg-BG" sz="1600" dirty="0">
                 <a:solidFill>
                   <a:schemeClr val="bg2">
                     <a:lumMod val="25000"/>
                   </a:schemeClr>
                 </a:solidFill>
               </a:rPr>
-              <a:t>Отнася </a:t>
-            </a:r>
-            <a:r>
-              <a:rPr lang="bg-BG" sz="1600" dirty="0">
+              <a:t>Отнася се за </a:t>
+            </a:r>
+            <a:r>
+              <a:rPr lang="bg-BG" sz="1600" b="1" i="1" dirty="0">
                 <a:solidFill>
                   <a:schemeClr val="bg2">
                     <a:lumMod val="25000"/>
                   </a:schemeClr>
                 </a:solidFill>
               </a:rPr>
-              <a:t>се за </a:t>
-            </a:r>
-            <a:r>
-              <a:rPr lang="bg-BG" sz="1600" b="1" i="1" dirty="0" smtClean="0">
-                <a:solidFill>
-                  <a:schemeClr val="bg2">
-                    <a:lumMod val="25000"/>
-                  </a:schemeClr>
-                </a:solidFill>
-              </a:rPr>
-              <a:t>външното </a:t>
-            </a:r>
-            <a:r>
-              <a:rPr lang="bg-BG" sz="1600" b="1" i="1" dirty="0" smtClean="0">
-                <a:solidFill>
-                  <a:schemeClr val="bg2">
-                    <a:lumMod val="25000"/>
-                  </a:schemeClr>
-                </a:solidFill>
-              </a:rPr>
-              <a:t>отстояние </a:t>
+              <a:t>външното отстояние </a:t>
             </a:r>
             <a:r>
               <a:rPr lang="bg-BG" sz="1600" i="1" dirty="0">
@@ -8939,45 +8918,18 @@
                   </a:schemeClr>
                 </a:solidFill>
               </a:rPr>
-              <a:t>Площта </a:t>
-            </a:r>
-            <a:r>
-              <a:rPr lang="bg-BG" sz="1600" dirty="0" smtClean="0">
+              <a:t>Площта започваща от външния край на границите</a:t>
+            </a:r>
+            <a:r>
+              <a:rPr lang="en-US" sz="1600" dirty="0">
                 <a:solidFill>
                   <a:schemeClr val="bg2">
                     <a:lumMod val="25000"/>
                   </a:schemeClr>
                 </a:solidFill>
               </a:rPr>
-              <a:t>започваща от външния край на </a:t>
-            </a:r>
-            <a:r>
-              <a:rPr lang="bg-BG" sz="1600" dirty="0" smtClean="0">
-                <a:solidFill>
-                  <a:schemeClr val="bg2">
-                    <a:lumMod val="25000"/>
-                  </a:schemeClr>
-                </a:solidFill>
-              </a:rPr>
-              <a:t>границите</a:t>
-            </a:r>
-            <a:r>
-              <a:rPr lang="en-US" sz="1600" dirty="0" smtClean="0">
-                <a:solidFill>
-                  <a:schemeClr val="bg2">
-                    <a:lumMod val="25000"/>
-                  </a:schemeClr>
-                </a:solidFill>
-              </a:rPr>
               <a:t>. </a:t>
             </a:r>
-            <a:endParaRPr lang="en-US" sz="1600" dirty="0" smtClean="0">
-              <a:solidFill>
-                <a:schemeClr val="bg2">
-                  <a:lumMod val="25000"/>
-                </a:schemeClr>
-              </a:solidFill>
-            </a:endParaRPr>
           </a:p>
           <a:p>
             <a:endParaRPr lang="en-US" sz="1600" dirty="0">
@@ -8990,7 +8942,7 @@
           </a:p>
           <a:p>
             <a:r>
-              <a:rPr lang="bg-BG" sz="1600" dirty="0" smtClean="0">
+              <a:rPr lang="bg-BG" sz="1600" dirty="0">
                 <a:solidFill>
                   <a:schemeClr val="bg2">
                     <a:lumMod val="25000"/>
@@ -9000,7 +8952,7 @@
               <a:t>Използва се за генериране на място/отстояние </a:t>
             </a:r>
             <a:r>
-              <a:rPr lang="bg-BG" sz="1600" b="1" i="1" dirty="0" smtClean="0">
+              <a:rPr lang="bg-BG" sz="1600" b="1" i="1" dirty="0">
                 <a:solidFill>
                   <a:schemeClr val="bg2">
                     <a:lumMod val="25000"/>
@@ -9010,7 +8962,7 @@
               <a:t>между елементите</a:t>
             </a:r>
             <a:r>
-              <a:rPr lang="bg-BG" sz="1600" dirty="0" smtClean="0">
+              <a:rPr lang="bg-BG" sz="1600" dirty="0">
                 <a:solidFill>
                   <a:schemeClr val="bg2">
                     <a:lumMod val="25000"/>
@@ -9031,7 +8983,7 @@
           </a:p>
           <a:p>
             <a:r>
-              <a:rPr lang="bg-BG" sz="1600" dirty="0" smtClean="0">
+              <a:rPr lang="bg-BG" sz="1600" dirty="0">
                 <a:solidFill>
                   <a:schemeClr val="bg2">
                     <a:lumMod val="25000"/>
@@ -9047,7 +8999,7 @@
               <a:buChar char="•"/>
             </a:pPr>
             <a:r>
-              <a:rPr lang="bg-BG" sz="1600" dirty="0" smtClean="0">
+              <a:rPr lang="bg-BG" sz="1600" dirty="0">
                 <a:solidFill>
                   <a:schemeClr val="bg2">
                     <a:lumMod val="25000"/>
@@ -9057,7 +9009,7 @@
               <a:t>конкретни единици </a:t>
             </a:r>
             <a:r>
-              <a:rPr lang="en-US" sz="1600" dirty="0" smtClean="0">
+              <a:rPr lang="en-US" sz="1600" dirty="0">
                 <a:solidFill>
                   <a:schemeClr val="bg2">
                     <a:lumMod val="25000"/>
@@ -9067,7 +9019,7 @@
               <a:t>(</a:t>
             </a:r>
             <a:r>
-              <a:rPr lang="bg-BG" sz="1600" dirty="0" smtClean="0">
+              <a:rPr lang="bg-BG" sz="1600" dirty="0">
                 <a:solidFill>
                   <a:schemeClr val="bg2">
                     <a:lumMod val="25000"/>
@@ -9077,7 +9029,7 @@
               <a:t>напр. пиксели</a:t>
             </a:r>
             <a:r>
-              <a:rPr lang="en-US" sz="1600" dirty="0" smtClean="0">
+              <a:rPr lang="en-US" sz="1600" dirty="0">
                 <a:solidFill>
                   <a:schemeClr val="bg2">
                     <a:lumMod val="25000"/>
@@ -9087,7 +9039,7 @@
               <a:t>)</a:t>
             </a:r>
             <a:r>
-              <a:rPr lang="bg-BG" sz="1600" dirty="0" smtClean="0">
+              <a:rPr lang="bg-BG" sz="1600" dirty="0">
                 <a:solidFill>
                   <a:schemeClr val="bg2">
                     <a:lumMod val="25000"/>
@@ -9103,7 +9055,7 @@
               <a:buChar char="•"/>
             </a:pPr>
             <a:r>
-              <a:rPr lang="bg-BG" sz="1600" dirty="0" smtClean="0">
+              <a:rPr lang="bg-BG" sz="1600" dirty="0">
                 <a:solidFill>
                   <a:schemeClr val="bg2">
                     <a:lumMod val="25000"/>
@@ -9113,7 +9065,7 @@
               <a:t>като процент от </a:t>
             </a:r>
             <a:r>
-              <a:rPr lang="bg-BG" sz="1600" b="1" dirty="0" smtClean="0">
+              <a:rPr lang="bg-BG" sz="1600" b="1" dirty="0">
                 <a:solidFill>
                   <a:schemeClr val="bg2">
                     <a:lumMod val="25000"/>
@@ -9123,7 +9075,7 @@
               <a:t>ширината</a:t>
             </a:r>
             <a:r>
-              <a:rPr lang="bg-BG" sz="1600" dirty="0" smtClean="0">
+              <a:rPr lang="bg-BG" sz="1600" dirty="0">
                 <a:solidFill>
                   <a:schemeClr val="bg2">
                     <a:lumMod val="25000"/>
@@ -9139,7 +9091,7 @@
               <a:buChar char="•"/>
             </a:pPr>
             <a:r>
-              <a:rPr lang="en-US" sz="1600" dirty="0" smtClean="0">
+              <a:rPr lang="en-US" sz="1600" dirty="0">
                 <a:solidFill>
                   <a:schemeClr val="bg2">
                     <a:lumMod val="25000"/>
@@ -9149,7 +9101,7 @@
               <a:t>auto – browser-a </a:t>
             </a:r>
             <a:r>
-              <a:rPr lang="bg-BG" sz="1600" dirty="0" smtClean="0">
+              <a:rPr lang="bg-BG" sz="1600" dirty="0">
                 <a:solidFill>
                   <a:schemeClr val="bg2">
                     <a:lumMod val="25000"/>
@@ -9165,7 +9117,7 @@
               <a:buChar char="•"/>
             </a:pPr>
             <a:r>
-              <a:rPr lang="en-US" sz="1600" dirty="0" smtClean="0">
+              <a:rPr lang="en-US" sz="1600" dirty="0">
                 <a:solidFill>
                   <a:schemeClr val="bg2">
                     <a:lumMod val="25000"/>
@@ -9175,7 +9127,7 @@
               <a:t>inherit – </a:t>
             </a:r>
             <a:r>
-              <a:rPr lang="bg-BG" sz="1600" dirty="0" smtClean="0">
+              <a:rPr lang="bg-BG" sz="1600" dirty="0">
                 <a:solidFill>
                   <a:schemeClr val="bg2">
                     <a:lumMod val="25000"/>
@@ -9186,7 +9138,7 @@
             </a:r>
           </a:p>
           <a:p>
-            <a:endParaRPr lang="bg-BG" sz="1600" b="1" i="1" dirty="0" smtClean="0">
+            <a:endParaRPr lang="bg-BG" sz="1600" b="1" i="1" dirty="0">
               <a:solidFill>
                 <a:schemeClr val="bg2">
                   <a:lumMod val="25000"/>
@@ -9254,7 +9206,7 @@
           <p:cNvPr id="39" name="Rectangle 38">
             <a:extLst>
               <a:ext uri="{FF2B5EF4-FFF2-40B4-BE49-F238E27FC236}">
-                <a16:creationId xmlns="" xmlns:a16="http://schemas.microsoft.com/office/drawing/2014/main" id="{C1C163D1-85A2-4643-BA3C-22035ECBF6E9}"/>
+                <a16:creationId xmlns:a16="http://schemas.microsoft.com/office/drawing/2014/main" id="{C1C163D1-85A2-4643-BA3C-22035ECBF6E9}"/>
               </a:ext>
             </a:extLst>
           </p:cNvPr>
@@ -9308,7 +9260,7 @@
           <p:cNvPr id="5" name="Rectangle 4">
             <a:extLst>
               <a:ext uri="{FF2B5EF4-FFF2-40B4-BE49-F238E27FC236}">
-                <a16:creationId xmlns="" xmlns:a16="http://schemas.microsoft.com/office/drawing/2014/main" id="{12131ED0-4950-475C-B7DC-450FBBF3C54A}"/>
+                <a16:creationId xmlns:a16="http://schemas.microsoft.com/office/drawing/2014/main" id="{12131ED0-4950-475C-B7DC-450FBBF3C54A}"/>
               </a:ext>
             </a:extLst>
           </p:cNvPr>
@@ -9360,7 +9312,7 @@
           <p:cNvPr id="4" name="TextBox 3">
             <a:extLst>
               <a:ext uri="{FF2B5EF4-FFF2-40B4-BE49-F238E27FC236}">
-                <a16:creationId xmlns="" xmlns:a16="http://schemas.microsoft.com/office/drawing/2014/main" id="{DB2A6D78-D3DF-4739-BCDE-EE78ED59B04D}"/>
+                <a16:creationId xmlns:a16="http://schemas.microsoft.com/office/drawing/2014/main" id="{DB2A6D78-D3DF-4739-BCDE-EE78ED59B04D}"/>
               </a:ext>
             </a:extLst>
           </p:cNvPr>
@@ -9421,7 +9373,7 @@
           <p:cNvPr id="8" name="TextBox 7">
             <a:extLst>
               <a:ext uri="{FF2B5EF4-FFF2-40B4-BE49-F238E27FC236}">
-                <a16:creationId xmlns="" xmlns:a16="http://schemas.microsoft.com/office/drawing/2014/main" id="{2374E9AE-8D65-4C85-A4AC-BBB9AA519202}"/>
+                <a16:creationId xmlns:a16="http://schemas.microsoft.com/office/drawing/2014/main" id="{2374E9AE-8D65-4C85-A4AC-BBB9AA519202}"/>
               </a:ext>
             </a:extLst>
           </p:cNvPr>
@@ -9461,7 +9413,7 @@
           <p:cNvPr id="47" name="Rectangle: Rounded Corners 5">
             <a:extLst>
               <a:ext uri="{FF2B5EF4-FFF2-40B4-BE49-F238E27FC236}">
-                <a16:creationId xmlns="" xmlns:a16="http://schemas.microsoft.com/office/drawing/2014/main" id="{682EAE92-D6DF-494B-9CC1-FF2B7145CC2C}"/>
+                <a16:creationId xmlns:a16="http://schemas.microsoft.com/office/drawing/2014/main" id="{682EAE92-D6DF-494B-9CC1-FF2B7145CC2C}"/>
               </a:ext>
             </a:extLst>
           </p:cNvPr>
@@ -9512,18 +9464,17 @@
           <a:p>
             <a:pPr algn="ctr"/>
             <a:r>
-              <a:rPr lang="en-US" dirty="0" smtClean="0"/>
+              <a:rPr lang="en-US" dirty="0"/>
               <a:t>Margin</a:t>
             </a:r>
             <a:r>
-              <a:rPr lang="bg-BG" dirty="0" smtClean="0"/>
+              <a:rPr lang="bg-BG" dirty="0"/>
               <a:t> </a:t>
             </a:r>
             <a:r>
-              <a:rPr lang="en-US" dirty="0" smtClean="0"/>
+              <a:rPr lang="en-US" dirty="0"/>
               <a:t>Auto</a:t>
             </a:r>
-            <a:endParaRPr lang="en-US" dirty="0"/>
           </a:p>
         </p:txBody>
       </p:sp>
@@ -9556,7 +9507,7 @@
           <p:cNvPr id="11" name="TextBox 10">
             <a:extLst>
               <a:ext uri="{FF2B5EF4-FFF2-40B4-BE49-F238E27FC236}">
-                <a16:creationId xmlns="" xmlns:a16="http://schemas.microsoft.com/office/drawing/2014/main" id="{1B819E04-FB3A-4140-997F-C60523568632}"/>
+                <a16:creationId xmlns:a16="http://schemas.microsoft.com/office/drawing/2014/main" id="{1B819E04-FB3A-4140-997F-C60523568632}"/>
               </a:ext>
             </a:extLst>
           </p:cNvPr>
@@ -9580,7 +9531,7 @@
           <a:lstStyle/>
           <a:p>
             <a:r>
-              <a:rPr lang="bg-BG" sz="1600" dirty="0" smtClean="0">
+              <a:rPr lang="bg-BG" sz="1600" dirty="0">
                 <a:solidFill>
                   <a:schemeClr val="bg2">
                     <a:lumMod val="25000"/>
@@ -9590,7 +9541,7 @@
               <a:t>Тъй като </a:t>
             </a:r>
             <a:r>
-              <a:rPr lang="en-US" sz="1600" dirty="0" smtClean="0">
+              <a:rPr lang="en-US" sz="1600" dirty="0">
                 <a:solidFill>
                   <a:schemeClr val="bg2">
                     <a:lumMod val="25000"/>
@@ -9600,7 +9551,7 @@
               <a:t>browser-a </a:t>
             </a:r>
             <a:r>
-              <a:rPr lang="bg-BG" sz="1600" dirty="0" smtClean="0">
+              <a:rPr lang="bg-BG" sz="1600" dirty="0">
                 <a:solidFill>
                   <a:schemeClr val="bg2">
                     <a:lumMod val="25000"/>
@@ -9668,7 +9619,7 @@
           <p:cNvPr id="39" name="Rectangle 38">
             <a:extLst>
               <a:ext uri="{FF2B5EF4-FFF2-40B4-BE49-F238E27FC236}">
-                <a16:creationId xmlns="" xmlns:a16="http://schemas.microsoft.com/office/drawing/2014/main" id="{C1C163D1-85A2-4643-BA3C-22035ECBF6E9}"/>
+                <a16:creationId xmlns:a16="http://schemas.microsoft.com/office/drawing/2014/main" id="{C1C163D1-85A2-4643-BA3C-22035ECBF6E9}"/>
               </a:ext>
             </a:extLst>
           </p:cNvPr>
@@ -9722,7 +9673,7 @@
           <p:cNvPr id="5" name="Rectangle 4">
             <a:extLst>
               <a:ext uri="{FF2B5EF4-FFF2-40B4-BE49-F238E27FC236}">
-                <a16:creationId xmlns="" xmlns:a16="http://schemas.microsoft.com/office/drawing/2014/main" id="{12131ED0-4950-475C-B7DC-450FBBF3C54A}"/>
+                <a16:creationId xmlns:a16="http://schemas.microsoft.com/office/drawing/2014/main" id="{12131ED0-4950-475C-B7DC-450FBBF3C54A}"/>
               </a:ext>
             </a:extLst>
           </p:cNvPr>
@@ -9774,7 +9725,7 @@
           <p:cNvPr id="4" name="TextBox 3">
             <a:extLst>
               <a:ext uri="{FF2B5EF4-FFF2-40B4-BE49-F238E27FC236}">
-                <a16:creationId xmlns="" xmlns:a16="http://schemas.microsoft.com/office/drawing/2014/main" id="{DB2A6D78-D3DF-4739-BCDE-EE78ED59B04D}"/>
+                <a16:creationId xmlns:a16="http://schemas.microsoft.com/office/drawing/2014/main" id="{DB2A6D78-D3DF-4739-BCDE-EE78ED59B04D}"/>
               </a:ext>
             </a:extLst>
           </p:cNvPr>
@@ -9835,7 +9786,7 @@
           <p:cNvPr id="8" name="TextBox 7">
             <a:extLst>
               <a:ext uri="{FF2B5EF4-FFF2-40B4-BE49-F238E27FC236}">
-                <a16:creationId xmlns="" xmlns:a16="http://schemas.microsoft.com/office/drawing/2014/main" id="{2374E9AE-8D65-4C85-A4AC-BBB9AA519202}"/>
+                <a16:creationId xmlns:a16="http://schemas.microsoft.com/office/drawing/2014/main" id="{2374E9AE-8D65-4C85-A4AC-BBB9AA519202}"/>
               </a:ext>
             </a:extLst>
           </p:cNvPr>
@@ -9875,7 +9826,7 @@
           <p:cNvPr id="47" name="Rectangle: Rounded Corners 5">
             <a:extLst>
               <a:ext uri="{FF2B5EF4-FFF2-40B4-BE49-F238E27FC236}">
-                <a16:creationId xmlns="" xmlns:a16="http://schemas.microsoft.com/office/drawing/2014/main" id="{682EAE92-D6DF-494B-9CC1-FF2B7145CC2C}"/>
+                <a16:creationId xmlns:a16="http://schemas.microsoft.com/office/drawing/2014/main" id="{682EAE92-D6DF-494B-9CC1-FF2B7145CC2C}"/>
               </a:ext>
             </a:extLst>
           </p:cNvPr>
@@ -9926,18 +9877,17 @@
           <a:p>
             <a:pPr algn="ctr"/>
             <a:r>
-              <a:rPr lang="en-US" dirty="0" smtClean="0"/>
+              <a:rPr lang="en-US" dirty="0"/>
               <a:t>Margin</a:t>
             </a:r>
             <a:r>
-              <a:rPr lang="bg-BG" dirty="0" smtClean="0"/>
+              <a:rPr lang="bg-BG" dirty="0"/>
               <a:t> </a:t>
             </a:r>
             <a:r>
-              <a:rPr lang="en-US" dirty="0" smtClean="0"/>
+              <a:rPr lang="en-US" dirty="0"/>
               <a:t>Collapse</a:t>
             </a:r>
-            <a:endParaRPr lang="en-US" dirty="0"/>
           </a:p>
         </p:txBody>
       </p:sp>
@@ -9946,7 +9896,7 @@
           <p:cNvPr id="2" name="TextBox 1">
             <a:extLst>
               <a:ext uri="{FF2B5EF4-FFF2-40B4-BE49-F238E27FC236}">
-                <a16:creationId xmlns="" xmlns:a16="http://schemas.microsoft.com/office/drawing/2014/main" id="{1B819E04-FB3A-4140-997F-C60523568632}"/>
+                <a16:creationId xmlns:a16="http://schemas.microsoft.com/office/drawing/2014/main" id="{1B819E04-FB3A-4140-997F-C60523568632}"/>
               </a:ext>
             </a:extLst>
           </p:cNvPr>
@@ -9970,7 +9920,7 @@
           <a:lstStyle/>
           <a:p>
             <a:r>
-              <a:rPr lang="bg-BG" sz="1600" dirty="0" smtClean="0">
+              <a:rPr lang="bg-BG" sz="1600" dirty="0">
                 <a:solidFill>
                   <a:schemeClr val="bg2">
                     <a:lumMod val="25000"/>
@@ -9980,7 +9930,7 @@
               <a:t>Има случаи в които горния (</a:t>
             </a:r>
             <a:r>
-              <a:rPr lang="en-US" sz="1600" dirty="0" smtClean="0">
+              <a:rPr lang="en-US" sz="1600" dirty="0">
                 <a:solidFill>
                   <a:schemeClr val="bg2">
                     <a:lumMod val="25000"/>
@@ -9990,7 +9940,7 @@
               <a:t>top</a:t>
             </a:r>
             <a:r>
-              <a:rPr lang="bg-BG" sz="1600" dirty="0" smtClean="0">
+              <a:rPr lang="bg-BG" sz="1600" dirty="0">
                 <a:solidFill>
                   <a:schemeClr val="bg2">
                     <a:lumMod val="25000"/>
@@ -10000,7 +9950,7 @@
               <a:t>)</a:t>
             </a:r>
             <a:r>
-              <a:rPr lang="en-US" sz="1600" dirty="0" smtClean="0">
+              <a:rPr lang="en-US" sz="1600" dirty="0">
                 <a:solidFill>
                   <a:schemeClr val="bg2">
                     <a:lumMod val="25000"/>
@@ -10010,7 +9960,7 @@
               <a:t> margin </a:t>
             </a:r>
             <a:r>
-              <a:rPr lang="bg-BG" sz="1600" dirty="0" smtClean="0">
+              <a:rPr lang="bg-BG" sz="1600" dirty="0">
                 <a:solidFill>
                   <a:schemeClr val="bg2">
                     <a:lumMod val="25000"/>
@@ -10020,7 +9970,7 @@
               <a:t>и долния </a:t>
             </a:r>
             <a:r>
-              <a:rPr lang="en-US" sz="1600" dirty="0" smtClean="0">
+              <a:rPr lang="en-US" sz="1600" dirty="0">
                 <a:solidFill>
                   <a:schemeClr val="bg2">
                     <a:lumMod val="25000"/>
@@ -10030,7 +9980,7 @@
               <a:t>(bottom) </a:t>
             </a:r>
             <a:r>
-              <a:rPr lang="bg-BG" sz="1600" dirty="0" smtClean="0">
+              <a:rPr lang="bg-BG" sz="1600" dirty="0">
                 <a:solidFill>
                   <a:schemeClr val="bg2">
                     <a:lumMod val="25000"/>
@@ -10040,7 +9990,7 @@
               <a:t>„рухват“ </a:t>
             </a:r>
             <a:r>
-              <a:rPr lang="en-US" sz="1600" dirty="0" smtClean="0">
+              <a:rPr lang="en-US" sz="1600" dirty="0">
                 <a:solidFill>
                   <a:schemeClr val="bg2">
                     <a:lumMod val="25000"/>
@@ -10050,7 +10000,7 @@
               <a:t>(collapse)</a:t>
             </a:r>
             <a:r>
-              <a:rPr lang="bg-BG" sz="1600" dirty="0" smtClean="0">
+              <a:rPr lang="bg-BG" sz="1600" dirty="0">
                 <a:solidFill>
                   <a:schemeClr val="bg2">
                     <a:lumMod val="25000"/>
@@ -10098,7 +10048,7 @@
           <p:cNvPr id="9" name="TextBox 8">
             <a:extLst>
               <a:ext uri="{FF2B5EF4-FFF2-40B4-BE49-F238E27FC236}">
-                <a16:creationId xmlns="" xmlns:a16="http://schemas.microsoft.com/office/drawing/2014/main" id="{1B819E04-FB3A-4140-997F-C60523568632}"/>
+                <a16:creationId xmlns:a16="http://schemas.microsoft.com/office/drawing/2014/main" id="{1B819E04-FB3A-4140-997F-C60523568632}"/>
               </a:ext>
             </a:extLst>
           </p:cNvPr>
@@ -10122,7 +10072,7 @@
           <a:lstStyle/>
           <a:p>
             <a:r>
-              <a:rPr lang="bg-BG" sz="1600" dirty="0" smtClean="0">
+              <a:rPr lang="bg-BG" sz="1600" dirty="0">
                 <a:solidFill>
                   <a:schemeClr val="bg2">
                     <a:lumMod val="25000"/>
@@ -10132,7 +10082,7 @@
               <a:t>Отстоянието между тези два елемента е </a:t>
             </a:r>
             <a:r>
-              <a:rPr lang="bg-BG" sz="1600" b="1" dirty="0" smtClean="0">
+              <a:rPr lang="bg-BG" sz="1600" b="1" dirty="0">
                 <a:solidFill>
                   <a:schemeClr val="bg2">
                     <a:lumMod val="25000"/>
@@ -10142,7 +10092,7 @@
               <a:t>40</a:t>
             </a:r>
             <a:r>
-              <a:rPr lang="en-US" sz="1600" b="1" dirty="0" err="1" smtClean="0">
+              <a:rPr lang="en-US" sz="1600" b="1" dirty="0" err="1">
                 <a:solidFill>
                   <a:schemeClr val="bg2">
                     <a:lumMod val="25000"/>
@@ -10152,7 +10102,7 @@
               <a:t>px</a:t>
             </a:r>
             <a:r>
-              <a:rPr lang="en-US" sz="1600" b="1" dirty="0" smtClean="0">
+              <a:rPr lang="en-US" sz="1600" b="1" dirty="0">
                 <a:solidFill>
                   <a:schemeClr val="bg2">
                     <a:lumMod val="25000"/>
@@ -10162,7 +10112,7 @@
               <a:t>. </a:t>
             </a:r>
             <a:r>
-              <a:rPr lang="bg-BG" sz="1600" dirty="0" smtClean="0">
+              <a:rPr lang="bg-BG" sz="1600" dirty="0">
                 <a:solidFill>
                   <a:schemeClr val="bg2">
                     <a:lumMod val="25000"/>
@@ -10172,7 +10122,7 @@
               <a:t>Това се случва само при </a:t>
             </a:r>
             <a:r>
-              <a:rPr lang="en-US" sz="1600" dirty="0" smtClean="0">
+              <a:rPr lang="en-US" sz="1600" dirty="0">
                 <a:solidFill>
                   <a:schemeClr val="bg2">
                     <a:lumMod val="25000"/>
@@ -10182,24 +10132,14 @@
               <a:t>top </a:t>
             </a:r>
             <a:r>
-              <a:rPr lang="en-US" sz="1600" smtClean="0">
+              <a:rPr lang="en-US" sz="1600">
                 <a:solidFill>
                   <a:schemeClr val="bg2">
                     <a:lumMod val="25000"/>
                   </a:schemeClr>
                 </a:solidFill>
               </a:rPr>
-              <a:t>&amp; </a:t>
-            </a:r>
-            <a:r>
-              <a:rPr lang="en-US" sz="1600" smtClean="0">
-                <a:solidFill>
-                  <a:schemeClr val="bg2">
-                    <a:lumMod val="25000"/>
-                  </a:schemeClr>
-                </a:solidFill>
-              </a:rPr>
-              <a:t>bottom.</a:t>
+              <a:t>&amp; bottom.</a:t>
             </a:r>
             <a:endParaRPr lang="en-US" sz="1600" dirty="0">
               <a:solidFill>
@@ -10260,7 +10200,7 @@
           <p:cNvPr id="39" name="Rectangle 38">
             <a:extLst>
               <a:ext uri="{FF2B5EF4-FFF2-40B4-BE49-F238E27FC236}">
-                <a16:creationId xmlns="" xmlns:a16="http://schemas.microsoft.com/office/drawing/2014/main" id="{C1C163D1-85A2-4643-BA3C-22035ECBF6E9}"/>
+                <a16:creationId xmlns:a16="http://schemas.microsoft.com/office/drawing/2014/main" id="{C1C163D1-85A2-4643-BA3C-22035ECBF6E9}"/>
               </a:ext>
             </a:extLst>
           </p:cNvPr>
@@ -10314,7 +10254,7 @@
           <p:cNvPr id="5" name="Rectangle 4">
             <a:extLst>
               <a:ext uri="{FF2B5EF4-FFF2-40B4-BE49-F238E27FC236}">
-                <a16:creationId xmlns="" xmlns:a16="http://schemas.microsoft.com/office/drawing/2014/main" id="{12131ED0-4950-475C-B7DC-450FBBF3C54A}"/>
+                <a16:creationId xmlns:a16="http://schemas.microsoft.com/office/drawing/2014/main" id="{12131ED0-4950-475C-B7DC-450FBBF3C54A}"/>
               </a:ext>
             </a:extLst>
           </p:cNvPr>
@@ -10366,7 +10306,7 @@
           <p:cNvPr id="4" name="TextBox 3">
             <a:extLst>
               <a:ext uri="{FF2B5EF4-FFF2-40B4-BE49-F238E27FC236}">
-                <a16:creationId xmlns="" xmlns:a16="http://schemas.microsoft.com/office/drawing/2014/main" id="{DB2A6D78-D3DF-4739-BCDE-EE78ED59B04D}"/>
+                <a16:creationId xmlns:a16="http://schemas.microsoft.com/office/drawing/2014/main" id="{DB2A6D78-D3DF-4739-BCDE-EE78ED59B04D}"/>
               </a:ext>
             </a:extLst>
           </p:cNvPr>
@@ -10427,7 +10367,7 @@
           <p:cNvPr id="8" name="TextBox 7">
             <a:extLst>
               <a:ext uri="{FF2B5EF4-FFF2-40B4-BE49-F238E27FC236}">
-                <a16:creationId xmlns="" xmlns:a16="http://schemas.microsoft.com/office/drawing/2014/main" id="{2374E9AE-8D65-4C85-A4AC-BBB9AA519202}"/>
+                <a16:creationId xmlns:a16="http://schemas.microsoft.com/office/drawing/2014/main" id="{2374E9AE-8D65-4C85-A4AC-BBB9AA519202}"/>
               </a:ext>
             </a:extLst>
           </p:cNvPr>
@@ -10467,7 +10407,7 @@
           <p:cNvPr id="47" name="Rectangle: Rounded Corners 5">
             <a:extLst>
               <a:ext uri="{FF2B5EF4-FFF2-40B4-BE49-F238E27FC236}">
-                <a16:creationId xmlns="" xmlns:a16="http://schemas.microsoft.com/office/drawing/2014/main" id="{682EAE92-D6DF-494B-9CC1-FF2B7145CC2C}"/>
+                <a16:creationId xmlns:a16="http://schemas.microsoft.com/office/drawing/2014/main" id="{682EAE92-D6DF-494B-9CC1-FF2B7145CC2C}"/>
               </a:ext>
             </a:extLst>
           </p:cNvPr>
@@ -10518,10 +10458,9 @@
           <a:p>
             <a:pPr algn="ctr"/>
             <a:r>
-              <a:rPr lang="en-US" dirty="0" smtClean="0"/>
+              <a:rPr lang="en-US" dirty="0"/>
               <a:t>box-sizing: content-box</a:t>
             </a:r>
-            <a:endParaRPr lang="en-US" dirty="0"/>
           </a:p>
         </p:txBody>
       </p:sp>
@@ -10530,7 +10469,7 @@
           <p:cNvPr id="11" name="TextBox 10">
             <a:extLst>
               <a:ext uri="{FF2B5EF4-FFF2-40B4-BE49-F238E27FC236}">
-                <a16:creationId xmlns="" xmlns:a16="http://schemas.microsoft.com/office/drawing/2014/main" id="{1B819E04-FB3A-4140-997F-C60523568632}"/>
+                <a16:creationId xmlns:a16="http://schemas.microsoft.com/office/drawing/2014/main" id="{1B819E04-FB3A-4140-997F-C60523568632}"/>
               </a:ext>
             </a:extLst>
           </p:cNvPr>
@@ -10554,96 +10493,76 @@
           <a:lstStyle/>
           <a:p>
             <a:r>
-              <a:rPr lang="en-US" sz="1600" dirty="0" smtClean="0">
+              <a:rPr lang="en-US" sz="1600" dirty="0">
                 <a:solidFill>
                   <a:schemeClr val="bg2">
                     <a:lumMod val="25000"/>
                   </a:schemeClr>
                 </a:solidFill>
               </a:rPr>
-              <a:t>box-sizing: </a:t>
-            </a:r>
-            <a:r>
-              <a:rPr lang="en-US" sz="1600" dirty="0" smtClean="0">
+              <a:t>box-sizing: content-box </a:t>
+            </a:r>
+            <a:r>
+              <a:rPr lang="bg-BG" sz="1600" dirty="0">
                 <a:solidFill>
                   <a:schemeClr val="bg2">
                     <a:lumMod val="25000"/>
                   </a:schemeClr>
                 </a:solidFill>
               </a:rPr>
-              <a:t>content-box </a:t>
-            </a:r>
-            <a:r>
-              <a:rPr lang="bg-BG" sz="1600" dirty="0" smtClean="0">
+              <a:t>– дефинирание </a:t>
+            </a:r>
+            <a:r>
+              <a:rPr lang="en-US" sz="1600" dirty="0">
                 <a:solidFill>
                   <a:schemeClr val="bg2">
                     <a:lumMod val="25000"/>
                   </a:schemeClr>
                 </a:solidFill>
               </a:rPr>
-              <a:t>– </a:t>
-            </a:r>
-            <a:r>
-              <a:rPr lang="bg-BG" sz="1600" dirty="0" smtClean="0">
+              <a:t>height </a:t>
+            </a:r>
+            <a:r>
+              <a:rPr lang="bg-BG" sz="1600" dirty="0">
                 <a:solidFill>
                   <a:schemeClr val="bg2">
                     <a:lumMod val="25000"/>
                   </a:schemeClr>
                 </a:solidFill>
               </a:rPr>
-              <a:t>дефинирание </a:t>
-            </a:r>
-            <a:r>
-              <a:rPr lang="en-US" sz="1600" dirty="0" smtClean="0">
+              <a:t>и </a:t>
+            </a:r>
+            <a:r>
+              <a:rPr lang="en-US" sz="1600" dirty="0">
                 <a:solidFill>
                   <a:schemeClr val="bg2">
                     <a:lumMod val="25000"/>
                   </a:schemeClr>
                 </a:solidFill>
               </a:rPr>
-              <a:t>height </a:t>
-            </a:r>
-            <a:r>
-              <a:rPr lang="bg-BG" sz="1600" dirty="0" smtClean="0">
+              <a:t>width </a:t>
+            </a:r>
+            <a:r>
+              <a:rPr lang="bg-BG" sz="1600" dirty="0">
                 <a:solidFill>
                   <a:schemeClr val="bg2">
                     <a:lumMod val="25000"/>
                   </a:schemeClr>
                 </a:solidFill>
               </a:rPr>
-              <a:t>и </a:t>
-            </a:r>
-            <a:r>
-              <a:rPr lang="en-US" sz="1600" dirty="0" smtClean="0">
+              <a:t>се отнасят конкретно за </a:t>
+            </a:r>
+            <a:r>
+              <a:rPr lang="en-US" sz="1600" dirty="0">
                 <a:solidFill>
                   <a:schemeClr val="bg2">
                     <a:lumMod val="25000"/>
                   </a:schemeClr>
                 </a:solidFill>
               </a:rPr>
-              <a:t>width </a:t>
-            </a:r>
-            <a:r>
-              <a:rPr lang="bg-BG" sz="1600" dirty="0" smtClean="0">
-                <a:solidFill>
-                  <a:schemeClr val="bg2">
-                    <a:lumMod val="25000"/>
-                  </a:schemeClr>
-                </a:solidFill>
-              </a:rPr>
-              <a:t>се отнасят конкретно за </a:t>
-            </a:r>
-            <a:r>
-              <a:rPr lang="en-US" sz="1600" dirty="0" smtClean="0">
-                <a:solidFill>
-                  <a:schemeClr val="bg2">
-                    <a:lumMod val="25000"/>
-                  </a:schemeClr>
-                </a:solidFill>
-              </a:rPr>
               <a:t>content box!</a:t>
             </a:r>
-            <a:endParaRPr lang="bg-BG" sz="1600" dirty="0" smtClean="0">
+            <a:endParaRPr lang="bg-BG" sz="1600" dirty="0">
               <a:solidFill>
                 <a:schemeClr val="bg2">
                   <a:lumMod val="25000"/>
@@ -10768,7 +10687,7 @@
           <p:cNvPr id="39" name="Rectangle 38">
             <a:extLst>
               <a:ext uri="{FF2B5EF4-FFF2-40B4-BE49-F238E27FC236}">
-                <a16:creationId xmlns="" xmlns:a16="http://schemas.microsoft.com/office/drawing/2014/main" id="{C1C163D1-85A2-4643-BA3C-22035ECBF6E9}"/>
+                <a16:creationId xmlns:a16="http://schemas.microsoft.com/office/drawing/2014/main" id="{C1C163D1-85A2-4643-BA3C-22035ECBF6E9}"/>
               </a:ext>
             </a:extLst>
           </p:cNvPr>
@@ -10822,7 +10741,7 @@
           <p:cNvPr id="5" name="Rectangle 4">
             <a:extLst>
               <a:ext uri="{FF2B5EF4-FFF2-40B4-BE49-F238E27FC236}">
-                <a16:creationId xmlns="" xmlns:a16="http://schemas.microsoft.com/office/drawing/2014/main" id="{12131ED0-4950-475C-B7DC-450FBBF3C54A}"/>
+                <a16:creationId xmlns:a16="http://schemas.microsoft.com/office/drawing/2014/main" id="{12131ED0-4950-475C-B7DC-450FBBF3C54A}"/>
               </a:ext>
             </a:extLst>
           </p:cNvPr>
@@ -10874,7 +10793,7 @@
           <p:cNvPr id="4" name="TextBox 3">
             <a:extLst>
               <a:ext uri="{FF2B5EF4-FFF2-40B4-BE49-F238E27FC236}">
-                <a16:creationId xmlns="" xmlns:a16="http://schemas.microsoft.com/office/drawing/2014/main" id="{DB2A6D78-D3DF-4739-BCDE-EE78ED59B04D}"/>
+                <a16:creationId xmlns:a16="http://schemas.microsoft.com/office/drawing/2014/main" id="{DB2A6D78-D3DF-4739-BCDE-EE78ED59B04D}"/>
               </a:ext>
             </a:extLst>
           </p:cNvPr>
@@ -10935,7 +10854,7 @@
           <p:cNvPr id="8" name="TextBox 7">
             <a:extLst>
               <a:ext uri="{FF2B5EF4-FFF2-40B4-BE49-F238E27FC236}">
-                <a16:creationId xmlns="" xmlns:a16="http://schemas.microsoft.com/office/drawing/2014/main" id="{2374E9AE-8D65-4C85-A4AC-BBB9AA519202}"/>
+                <a16:creationId xmlns:a16="http://schemas.microsoft.com/office/drawing/2014/main" id="{2374E9AE-8D65-4C85-A4AC-BBB9AA519202}"/>
               </a:ext>
             </a:extLst>
           </p:cNvPr>
@@ -10975,7 +10894,7 @@
           <p:cNvPr id="47" name="Rectangle: Rounded Corners 5">
             <a:extLst>
               <a:ext uri="{FF2B5EF4-FFF2-40B4-BE49-F238E27FC236}">
-                <a16:creationId xmlns="" xmlns:a16="http://schemas.microsoft.com/office/drawing/2014/main" id="{682EAE92-D6DF-494B-9CC1-FF2B7145CC2C}"/>
+                <a16:creationId xmlns:a16="http://schemas.microsoft.com/office/drawing/2014/main" id="{682EAE92-D6DF-494B-9CC1-FF2B7145CC2C}"/>
               </a:ext>
             </a:extLst>
           </p:cNvPr>
@@ -11026,10 +10945,9 @@
           <a:p>
             <a:pPr algn="ctr"/>
             <a:r>
-              <a:rPr lang="en-US" dirty="0" smtClean="0"/>
+              <a:rPr lang="en-US" dirty="0"/>
               <a:t>box-sizing: border-box</a:t>
             </a:r>
-            <a:endParaRPr lang="en-US" dirty="0"/>
           </a:p>
         </p:txBody>
       </p:sp>
@@ -11038,7 +10956,7 @@
           <p:cNvPr id="11" name="TextBox 10">
             <a:extLst>
               <a:ext uri="{FF2B5EF4-FFF2-40B4-BE49-F238E27FC236}">
-                <a16:creationId xmlns="" xmlns:a16="http://schemas.microsoft.com/office/drawing/2014/main" id="{1B819E04-FB3A-4140-997F-C60523568632}"/>
+                <a16:creationId xmlns:a16="http://schemas.microsoft.com/office/drawing/2014/main" id="{1B819E04-FB3A-4140-997F-C60523568632}"/>
               </a:ext>
             </a:extLst>
           </p:cNvPr>
@@ -11239,7 +11157,7 @@
           <p:cNvPr id="39" name="Rectangle 38">
             <a:extLst>
               <a:ext uri="{FF2B5EF4-FFF2-40B4-BE49-F238E27FC236}">
-                <a16:creationId xmlns="" xmlns:a16="http://schemas.microsoft.com/office/drawing/2014/main" id="{C1C163D1-85A2-4643-BA3C-22035ECBF6E9}"/>
+                <a16:creationId xmlns:a16="http://schemas.microsoft.com/office/drawing/2014/main" id="{C1C163D1-85A2-4643-BA3C-22035ECBF6E9}"/>
               </a:ext>
             </a:extLst>
           </p:cNvPr>
@@ -11293,7 +11211,7 @@
           <p:cNvPr id="5" name="Rectangle 4">
             <a:extLst>
               <a:ext uri="{FF2B5EF4-FFF2-40B4-BE49-F238E27FC236}">
-                <a16:creationId xmlns="" xmlns:a16="http://schemas.microsoft.com/office/drawing/2014/main" id="{12131ED0-4950-475C-B7DC-450FBBF3C54A}"/>
+                <a16:creationId xmlns:a16="http://schemas.microsoft.com/office/drawing/2014/main" id="{12131ED0-4950-475C-B7DC-450FBBF3C54A}"/>
               </a:ext>
             </a:extLst>
           </p:cNvPr>
@@ -11345,7 +11263,7 @@
           <p:cNvPr id="4" name="TextBox 3">
             <a:extLst>
               <a:ext uri="{FF2B5EF4-FFF2-40B4-BE49-F238E27FC236}">
-                <a16:creationId xmlns="" xmlns:a16="http://schemas.microsoft.com/office/drawing/2014/main" id="{DB2A6D78-D3DF-4739-BCDE-EE78ED59B04D}"/>
+                <a16:creationId xmlns:a16="http://schemas.microsoft.com/office/drawing/2014/main" id="{DB2A6D78-D3DF-4739-BCDE-EE78ED59B04D}"/>
               </a:ext>
             </a:extLst>
           </p:cNvPr>
@@ -11406,7 +11324,7 @@
           <p:cNvPr id="8" name="TextBox 7">
             <a:extLst>
               <a:ext uri="{FF2B5EF4-FFF2-40B4-BE49-F238E27FC236}">
-                <a16:creationId xmlns="" xmlns:a16="http://schemas.microsoft.com/office/drawing/2014/main" id="{2374E9AE-8D65-4C85-A4AC-BBB9AA519202}"/>
+                <a16:creationId xmlns:a16="http://schemas.microsoft.com/office/drawing/2014/main" id="{2374E9AE-8D65-4C85-A4AC-BBB9AA519202}"/>
               </a:ext>
             </a:extLst>
           </p:cNvPr>
@@ -11446,7 +11364,7 @@
           <p:cNvPr id="47" name="Rectangle: Rounded Corners 5">
             <a:extLst>
               <a:ext uri="{FF2B5EF4-FFF2-40B4-BE49-F238E27FC236}">
-                <a16:creationId xmlns="" xmlns:a16="http://schemas.microsoft.com/office/drawing/2014/main" id="{682EAE92-D6DF-494B-9CC1-FF2B7145CC2C}"/>
+                <a16:creationId xmlns:a16="http://schemas.microsoft.com/office/drawing/2014/main" id="{682EAE92-D6DF-494B-9CC1-FF2B7145CC2C}"/>
               </a:ext>
             </a:extLst>
           </p:cNvPr>
@@ -11508,7 +11426,7 @@
           <p:cNvPr id="2" name="TextBox 1">
             <a:extLst>
               <a:ext uri="{FF2B5EF4-FFF2-40B4-BE49-F238E27FC236}">
-                <a16:creationId xmlns="" xmlns:a16="http://schemas.microsoft.com/office/drawing/2014/main" id="{1B819E04-FB3A-4140-997F-C60523568632}"/>
+                <a16:creationId xmlns:a16="http://schemas.microsoft.com/office/drawing/2014/main" id="{1B819E04-FB3A-4140-997F-C60523568632}"/>
               </a:ext>
             </a:extLst>
           </p:cNvPr>
@@ -11614,14 +11532,10 @@
             </a:r>
             <a:r>
               <a:rPr lang="bg-BG" dirty="0"/>
-              <a:t> на тези „кутии</a:t>
-            </a:r>
-            <a:r>
-              <a:rPr lang="bg-BG" dirty="0" smtClean="0"/>
-              <a:t>“</a:t>
-            </a:r>
-            <a:r>
-              <a:rPr lang="en-US" dirty="0" smtClean="0"/>
+              <a:t> на тези „кутии“</a:t>
+            </a:r>
+            <a:r>
+              <a:rPr lang="en-US" dirty="0"/>
               <a:t>.</a:t>
             </a:r>
             <a:endParaRPr lang="bg-BG" dirty="0"/>
@@ -11636,7 +11550,7 @@
           <p:cNvPr id="9" name="TextBox 8">
             <a:extLst>
               <a:ext uri="{FF2B5EF4-FFF2-40B4-BE49-F238E27FC236}">
-                <a16:creationId xmlns="" xmlns:a16="http://schemas.microsoft.com/office/drawing/2014/main" id="{4C0D8E2A-A910-445E-828C-9D67A90994A3}"/>
+                <a16:creationId xmlns:a16="http://schemas.microsoft.com/office/drawing/2014/main" id="{4C0D8E2A-A910-445E-828C-9D67A90994A3}"/>
               </a:ext>
             </a:extLst>
           </p:cNvPr>
@@ -11817,7 +11731,7 @@
           <p:cNvPr id="39" name="Rectangle 38">
             <a:extLst>
               <a:ext uri="{FF2B5EF4-FFF2-40B4-BE49-F238E27FC236}">
-                <a16:creationId xmlns="" xmlns:a16="http://schemas.microsoft.com/office/drawing/2014/main" id="{C1C163D1-85A2-4643-BA3C-22035ECBF6E9}"/>
+                <a16:creationId xmlns:a16="http://schemas.microsoft.com/office/drawing/2014/main" id="{C1C163D1-85A2-4643-BA3C-22035ECBF6E9}"/>
               </a:ext>
             </a:extLst>
           </p:cNvPr>
@@ -11871,7 +11785,7 @@
           <p:cNvPr id="5" name="Rectangle 4">
             <a:extLst>
               <a:ext uri="{FF2B5EF4-FFF2-40B4-BE49-F238E27FC236}">
-                <a16:creationId xmlns="" xmlns:a16="http://schemas.microsoft.com/office/drawing/2014/main" id="{12131ED0-4950-475C-B7DC-450FBBF3C54A}"/>
+                <a16:creationId xmlns:a16="http://schemas.microsoft.com/office/drawing/2014/main" id="{12131ED0-4950-475C-B7DC-450FBBF3C54A}"/>
               </a:ext>
             </a:extLst>
           </p:cNvPr>
@@ -11923,7 +11837,7 @@
           <p:cNvPr id="4" name="TextBox 3">
             <a:extLst>
               <a:ext uri="{FF2B5EF4-FFF2-40B4-BE49-F238E27FC236}">
-                <a16:creationId xmlns="" xmlns:a16="http://schemas.microsoft.com/office/drawing/2014/main" id="{DB2A6D78-D3DF-4739-BCDE-EE78ED59B04D}"/>
+                <a16:creationId xmlns:a16="http://schemas.microsoft.com/office/drawing/2014/main" id="{DB2A6D78-D3DF-4739-BCDE-EE78ED59B04D}"/>
               </a:ext>
             </a:extLst>
           </p:cNvPr>
@@ -11984,7 +11898,7 @@
           <p:cNvPr id="8" name="TextBox 7">
             <a:extLst>
               <a:ext uri="{FF2B5EF4-FFF2-40B4-BE49-F238E27FC236}">
-                <a16:creationId xmlns="" xmlns:a16="http://schemas.microsoft.com/office/drawing/2014/main" id="{2374E9AE-8D65-4C85-A4AC-BBB9AA519202}"/>
+                <a16:creationId xmlns:a16="http://schemas.microsoft.com/office/drawing/2014/main" id="{2374E9AE-8D65-4C85-A4AC-BBB9AA519202}"/>
               </a:ext>
             </a:extLst>
           </p:cNvPr>
@@ -12024,7 +11938,7 @@
           <p:cNvPr id="10" name="Picture 9">
             <a:extLst>
               <a:ext uri="{FF2B5EF4-FFF2-40B4-BE49-F238E27FC236}">
-                <a16:creationId xmlns="" xmlns:a16="http://schemas.microsoft.com/office/drawing/2014/main" id="{8E111949-C134-4267-B053-6CB6F0E85A44}"/>
+                <a16:creationId xmlns:a16="http://schemas.microsoft.com/office/drawing/2014/main" id="{8E111949-C134-4267-B053-6CB6F0E85A44}"/>
               </a:ext>
             </a:extLst>
           </p:cNvPr>
@@ -12104,7 +12018,7 @@
           <p:cNvPr id="39" name="Rectangle 38">
             <a:extLst>
               <a:ext uri="{FF2B5EF4-FFF2-40B4-BE49-F238E27FC236}">
-                <a16:creationId xmlns="" xmlns:a16="http://schemas.microsoft.com/office/drawing/2014/main" id="{C1C163D1-85A2-4643-BA3C-22035ECBF6E9}"/>
+                <a16:creationId xmlns:a16="http://schemas.microsoft.com/office/drawing/2014/main" id="{C1C163D1-85A2-4643-BA3C-22035ECBF6E9}"/>
               </a:ext>
             </a:extLst>
           </p:cNvPr>
@@ -12158,7 +12072,7 @@
           <p:cNvPr id="5" name="Rectangle 4">
             <a:extLst>
               <a:ext uri="{FF2B5EF4-FFF2-40B4-BE49-F238E27FC236}">
-                <a16:creationId xmlns="" xmlns:a16="http://schemas.microsoft.com/office/drawing/2014/main" id="{12131ED0-4950-475C-B7DC-450FBBF3C54A}"/>
+                <a16:creationId xmlns:a16="http://schemas.microsoft.com/office/drawing/2014/main" id="{12131ED0-4950-475C-B7DC-450FBBF3C54A}"/>
               </a:ext>
             </a:extLst>
           </p:cNvPr>
@@ -12210,7 +12124,7 @@
           <p:cNvPr id="4" name="TextBox 3">
             <a:extLst>
               <a:ext uri="{FF2B5EF4-FFF2-40B4-BE49-F238E27FC236}">
-                <a16:creationId xmlns="" xmlns:a16="http://schemas.microsoft.com/office/drawing/2014/main" id="{DB2A6D78-D3DF-4739-BCDE-EE78ED59B04D}"/>
+                <a16:creationId xmlns:a16="http://schemas.microsoft.com/office/drawing/2014/main" id="{DB2A6D78-D3DF-4739-BCDE-EE78ED59B04D}"/>
               </a:ext>
             </a:extLst>
           </p:cNvPr>
@@ -12271,7 +12185,7 @@
           <p:cNvPr id="8" name="TextBox 7">
             <a:extLst>
               <a:ext uri="{FF2B5EF4-FFF2-40B4-BE49-F238E27FC236}">
-                <a16:creationId xmlns="" xmlns:a16="http://schemas.microsoft.com/office/drawing/2014/main" id="{2374E9AE-8D65-4C85-A4AC-BBB9AA519202}"/>
+                <a16:creationId xmlns:a16="http://schemas.microsoft.com/office/drawing/2014/main" id="{2374E9AE-8D65-4C85-A4AC-BBB9AA519202}"/>
               </a:ext>
             </a:extLst>
           </p:cNvPr>
@@ -12280,8 +12194,8 @@
         </p:nvSpPr>
         <p:spPr>
           <a:xfrm>
-            <a:off x="8275333" y="39982"/>
-            <a:ext cx="846899" cy="276999"/>
+            <a:off x="8026163" y="39982"/>
+            <a:ext cx="1096069" cy="276999"/>
           </a:xfrm>
           <a:prstGeom prst="rect">
             <a:avLst/>
@@ -12301,7 +12215,7 @@
                   <a:schemeClr val="bg1"/>
                 </a:solidFill>
               </a:rPr>
-              <a:t>Box model</a:t>
+              <a:t>Box properties</a:t>
             </a:r>
           </a:p>
         </p:txBody>
@@ -12311,7 +12225,7 @@
           <p:cNvPr id="47" name="Rectangle: Rounded Corners 5">
             <a:extLst>
               <a:ext uri="{FF2B5EF4-FFF2-40B4-BE49-F238E27FC236}">
-                <a16:creationId xmlns="" xmlns:a16="http://schemas.microsoft.com/office/drawing/2014/main" id="{682EAE92-D6DF-494B-9CC1-FF2B7145CC2C}"/>
+                <a16:creationId xmlns:a16="http://schemas.microsoft.com/office/drawing/2014/main" id="{682EAE92-D6DF-494B-9CC1-FF2B7145CC2C}"/>
               </a:ext>
             </a:extLst>
           </p:cNvPr>
@@ -12363,13 +12277,8 @@
             <a:pPr algn="ctr"/>
             <a:r>
               <a:rPr lang="en-US" dirty="0"/>
-              <a:t>Height &amp; </a:t>
-            </a:r>
-            <a:r>
-              <a:rPr lang="en-US" dirty="0" smtClean="0"/>
-              <a:t>Width</a:t>
-            </a:r>
-            <a:endParaRPr lang="en-US" dirty="0"/>
+              <a:t>Height &amp; Width</a:t>
+            </a:r>
           </a:p>
         </p:txBody>
       </p:sp>
@@ -12378,7 +12287,7 @@
           <p:cNvPr id="2" name="TextBox 1">
             <a:extLst>
               <a:ext uri="{FF2B5EF4-FFF2-40B4-BE49-F238E27FC236}">
-                <a16:creationId xmlns="" xmlns:a16="http://schemas.microsoft.com/office/drawing/2014/main" id="{1B819E04-FB3A-4140-997F-C60523568632}"/>
+                <a16:creationId xmlns:a16="http://schemas.microsoft.com/office/drawing/2014/main" id="{1B819E04-FB3A-4140-997F-C60523568632}"/>
               </a:ext>
             </a:extLst>
           </p:cNvPr>
@@ -12460,49 +12369,29 @@
                   </a:schemeClr>
                 </a:solidFill>
               </a:rPr>
-              <a:t>които задават височина и </a:t>
-            </a:r>
-            <a:r>
-              <a:rPr lang="bg-BG" sz="1600" dirty="0" smtClean="0">
+              <a:t>които задават височина и ширина на </a:t>
+            </a:r>
+            <a:r>
+              <a:rPr lang="en-US" sz="1600" dirty="0">
                 <a:solidFill>
                   <a:schemeClr val="bg2">
                     <a:lumMod val="25000"/>
                   </a:schemeClr>
                 </a:solidFill>
               </a:rPr>
-              <a:t>ширина на </a:t>
-            </a:r>
-            <a:r>
-              <a:rPr lang="en-US" sz="1600" dirty="0">
+              <a:t>CONTENT BOX,</a:t>
+            </a:r>
+            <a:r>
+              <a:rPr lang="bg-BG" sz="1600" dirty="0">
                 <a:solidFill>
                   <a:schemeClr val="bg2">
                     <a:lumMod val="25000"/>
                   </a:schemeClr>
                 </a:solidFill>
               </a:rPr>
-              <a:t>CONTENT BOX,</a:t>
-            </a:r>
-            <a:r>
-              <a:rPr lang="bg-BG" sz="1600" dirty="0">
-                <a:solidFill>
-                  <a:schemeClr val="bg2">
-                    <a:lumMod val="25000"/>
-                  </a:schemeClr>
-                </a:solidFill>
-              </a:rPr>
-              <a:t> на площта на която ще бъде визуализирано съдържанието</a:t>
-            </a:r>
-            <a:r>
-              <a:rPr lang="bg-BG" sz="1600" dirty="0" smtClean="0">
-                <a:solidFill>
-                  <a:schemeClr val="bg2">
-                    <a:lumMod val="25000"/>
-                  </a:schemeClr>
-                </a:solidFill>
-              </a:rPr>
-              <a:t>.</a:t>
-            </a:r>
-            <a:endParaRPr lang="en-US" sz="1600" dirty="0" smtClean="0">
+              <a:t> на площта на която ще бъде визуализирано съдържанието.</a:t>
+            </a:r>
+            <a:endParaRPr lang="en-US" sz="1600" dirty="0">
               <a:solidFill>
                 <a:schemeClr val="bg2">
                   <a:lumMod val="25000"/>
@@ -12521,7 +12410,7 @@
           </a:p>
           <a:p>
             <a:r>
-              <a:rPr lang="en-US" sz="1600" dirty="0" smtClean="0">
+              <a:rPr lang="en-US" sz="1600" dirty="0">
                 <a:solidFill>
                   <a:schemeClr val="bg2">
                     <a:lumMod val="25000"/>
@@ -12547,7 +12436,7 @@
               <a:t>и </a:t>
             </a:r>
             <a:r>
-              <a:rPr lang="en-US" sz="1600" dirty="0" smtClean="0">
+              <a:rPr lang="en-US" sz="1600" dirty="0">
                 <a:solidFill>
                   <a:srgbClr val="427AA2"/>
                 </a:solidFill>
@@ -12555,7 +12444,7 @@
               <a:t>width</a:t>
             </a:r>
             <a:r>
-              <a:rPr lang="bg-BG" sz="1600" dirty="0" smtClean="0">
+              <a:rPr lang="bg-BG" sz="1600" dirty="0">
                 <a:solidFill>
                   <a:srgbClr val="427AA2"/>
                 </a:solidFill>
@@ -12563,7 +12452,7 @@
               <a:t> </a:t>
             </a:r>
             <a:r>
-              <a:rPr lang="bg-BG" sz="1600" b="1" dirty="0" smtClean="0">
+              <a:rPr lang="bg-BG" sz="1600" b="1" dirty="0">
                 <a:solidFill>
                   <a:schemeClr val="bg2">
                     <a:lumMod val="25000"/>
@@ -12573,7 +12462,7 @@
               <a:t>не </a:t>
             </a:r>
             <a:r>
-              <a:rPr lang="bg-BG" sz="1600" dirty="0" smtClean="0">
+              <a:rPr lang="bg-BG" sz="1600" dirty="0">
                 <a:solidFill>
                   <a:schemeClr val="bg2">
                     <a:lumMod val="25000"/>
@@ -12583,7 +12472,7 @@
               <a:t>включват отстоянията вътре, вън </a:t>
             </a:r>
             <a:r>
-              <a:rPr lang="en-US" sz="1600" dirty="0" smtClean="0">
+              <a:rPr lang="en-US" sz="1600" dirty="0">
                 <a:solidFill>
                   <a:schemeClr val="bg2">
                     <a:lumMod val="25000"/>
@@ -12593,7 +12482,7 @@
               <a:t>(padding, margin)</a:t>
             </a:r>
             <a:r>
-              <a:rPr lang="bg-BG" sz="1600" dirty="0" smtClean="0">
+              <a:rPr lang="bg-BG" sz="1600" dirty="0">
                 <a:solidFill>
                   <a:schemeClr val="bg2">
                     <a:lumMod val="25000"/>
@@ -12603,7 +12492,7 @@
               <a:t> или границите </a:t>
             </a:r>
             <a:r>
-              <a:rPr lang="en-US" sz="1600" dirty="0" smtClean="0">
+              <a:rPr lang="en-US" sz="1600" dirty="0">
                 <a:solidFill>
                   <a:schemeClr val="bg2">
                     <a:lumMod val="25000"/>
@@ -12612,240 +12501,6 @@
               </a:rPr>
               <a:t>(border)</a:t>
             </a:r>
-          </a:p>
-          <a:p>
-            <a:endParaRPr lang="en-US" sz="1600" dirty="0" smtClean="0">
-              <a:solidFill>
-                <a:schemeClr val="bg2">
-                  <a:lumMod val="25000"/>
-                </a:schemeClr>
-              </a:solidFill>
-            </a:endParaRPr>
-          </a:p>
-          <a:p>
-            <a:r>
-              <a:rPr lang="en-US" sz="1600" dirty="0" smtClean="0">
-                <a:solidFill>
-                  <a:srgbClr val="427AA2"/>
-                </a:solidFill>
-              </a:rPr>
-              <a:t>max-height – </a:t>
-            </a:r>
-            <a:r>
-              <a:rPr lang="bg-BG" sz="1600" dirty="0" smtClean="0">
-                <a:solidFill>
-                  <a:schemeClr val="bg2">
-                    <a:lumMod val="25000"/>
-                  </a:schemeClr>
-                </a:solidFill>
-              </a:rPr>
-              <a:t>определя </a:t>
-            </a:r>
-            <a:r>
-              <a:rPr lang="bg-BG" sz="1600" i="1" dirty="0" smtClean="0">
-                <a:solidFill>
-                  <a:schemeClr val="bg2">
-                    <a:lumMod val="25000"/>
-                  </a:schemeClr>
-                </a:solidFill>
-              </a:rPr>
-              <a:t>максимална</a:t>
-            </a:r>
-            <a:r>
-              <a:rPr lang="bg-BG" sz="1600" dirty="0" smtClean="0">
-                <a:solidFill>
-                  <a:schemeClr val="bg2">
-                    <a:lumMod val="25000"/>
-                  </a:schemeClr>
-                </a:solidFill>
-              </a:rPr>
-              <a:t> височина на елемента;</a:t>
-            </a:r>
-            <a:endParaRPr lang="bg-BG" sz="1600" dirty="0">
-              <a:solidFill>
-                <a:schemeClr val="bg2">
-                  <a:lumMod val="25000"/>
-                </a:schemeClr>
-              </a:solidFill>
-            </a:endParaRPr>
-          </a:p>
-          <a:p>
-            <a:r>
-              <a:rPr lang="en-US" sz="1600" dirty="0" smtClean="0">
-                <a:solidFill>
-                  <a:srgbClr val="427AA2"/>
-                </a:solidFill>
-              </a:rPr>
-              <a:t>max-width</a:t>
-            </a:r>
-            <a:r>
-              <a:rPr lang="bg-BG" sz="1600" dirty="0" smtClean="0">
-                <a:solidFill>
-                  <a:srgbClr val="427AA2"/>
-                </a:solidFill>
-              </a:rPr>
-              <a:t> </a:t>
-            </a:r>
-            <a:r>
-              <a:rPr lang="bg-BG" sz="1600" dirty="0">
-                <a:solidFill>
-                  <a:srgbClr val="427AA2"/>
-                </a:solidFill>
-              </a:rPr>
-              <a:t>– </a:t>
-            </a:r>
-            <a:r>
-              <a:rPr lang="bg-BG" sz="1600" dirty="0" smtClean="0">
-                <a:solidFill>
-                  <a:schemeClr val="bg2">
-                    <a:lumMod val="25000"/>
-                  </a:schemeClr>
-                </a:solidFill>
-              </a:rPr>
-              <a:t>определя </a:t>
-            </a:r>
-            <a:r>
-              <a:rPr lang="bg-BG" sz="1600" i="1" dirty="0" smtClean="0">
-                <a:solidFill>
-                  <a:schemeClr val="bg2">
-                    <a:lumMod val="25000"/>
-                  </a:schemeClr>
-                </a:solidFill>
-              </a:rPr>
-              <a:t>максимална</a:t>
-            </a:r>
-            <a:r>
-              <a:rPr lang="bg-BG" sz="1600" dirty="0" smtClean="0">
-                <a:solidFill>
-                  <a:schemeClr val="bg2">
-                    <a:lumMod val="25000"/>
-                  </a:schemeClr>
-                </a:solidFill>
-              </a:rPr>
-              <a:t> широчина на елемента;</a:t>
-            </a:r>
-            <a:endParaRPr lang="en-US" sz="1600" dirty="0" smtClean="0">
-              <a:solidFill>
-                <a:schemeClr val="bg2">
-                  <a:lumMod val="25000"/>
-                </a:schemeClr>
-              </a:solidFill>
-            </a:endParaRPr>
-          </a:p>
-          <a:p>
-            <a:endParaRPr lang="en-US" sz="1600" dirty="0">
-              <a:solidFill>
-                <a:srgbClr val="427AA2"/>
-              </a:solidFill>
-            </a:endParaRPr>
-          </a:p>
-          <a:p>
-            <a:r>
-              <a:rPr lang="en-US" sz="1600" dirty="0" smtClean="0">
-                <a:solidFill>
-                  <a:srgbClr val="427AA2"/>
-                </a:solidFill>
-              </a:rPr>
-              <a:t>min-height</a:t>
-            </a:r>
-            <a:r>
-              <a:rPr lang="bg-BG" sz="1600" dirty="0">
-                <a:solidFill>
-                  <a:srgbClr val="427AA2"/>
-                </a:solidFill>
-              </a:rPr>
-              <a:t> – </a:t>
-            </a:r>
-            <a:r>
-              <a:rPr lang="bg-BG" sz="1600" dirty="0" smtClean="0">
-                <a:solidFill>
-                  <a:schemeClr val="bg2">
-                    <a:lumMod val="25000"/>
-                  </a:schemeClr>
-                </a:solidFill>
-              </a:rPr>
-              <a:t>определя </a:t>
-            </a:r>
-            <a:r>
-              <a:rPr lang="bg-BG" sz="1600" i="1" dirty="0" smtClean="0">
-                <a:solidFill>
-                  <a:schemeClr val="bg2">
-                    <a:lumMod val="25000"/>
-                  </a:schemeClr>
-                </a:solidFill>
-              </a:rPr>
-              <a:t>минимална</a:t>
-            </a:r>
-            <a:r>
-              <a:rPr lang="bg-BG" sz="1600" dirty="0" smtClean="0">
-                <a:solidFill>
-                  <a:schemeClr val="bg2">
-                    <a:lumMod val="25000"/>
-                  </a:schemeClr>
-                </a:solidFill>
-              </a:rPr>
-              <a:t> височина </a:t>
-            </a:r>
-            <a:r>
-              <a:rPr lang="bg-BG" sz="1600" dirty="0">
-                <a:solidFill>
-                  <a:schemeClr val="bg2">
-                    <a:lumMod val="25000"/>
-                  </a:schemeClr>
-                </a:solidFill>
-              </a:rPr>
-              <a:t>на </a:t>
-            </a:r>
-            <a:r>
-              <a:rPr lang="bg-BG" sz="1600" dirty="0" smtClean="0">
-                <a:solidFill>
-                  <a:schemeClr val="bg2">
-                    <a:lumMod val="25000"/>
-                  </a:schemeClr>
-                </a:solidFill>
-              </a:rPr>
-              <a:t>елемента;</a:t>
-            </a:r>
-            <a:endParaRPr lang="en-US" sz="1600" dirty="0" smtClean="0">
-              <a:solidFill>
-                <a:srgbClr val="427AA2"/>
-              </a:solidFill>
-            </a:endParaRPr>
-          </a:p>
-          <a:p>
-            <a:r>
-              <a:rPr lang="en-US" sz="1600" dirty="0" smtClean="0">
-                <a:solidFill>
-                  <a:srgbClr val="427AA2"/>
-                </a:solidFill>
-              </a:rPr>
-              <a:t>min-width</a:t>
-            </a:r>
-            <a:r>
-              <a:rPr lang="bg-BG" sz="1600" dirty="0" smtClean="0">
-                <a:solidFill>
-                  <a:srgbClr val="427AA2"/>
-                </a:solidFill>
-              </a:rPr>
-              <a:t> – </a:t>
-            </a:r>
-            <a:r>
-              <a:rPr lang="bg-BG" sz="1600" dirty="0" smtClean="0">
-                <a:solidFill>
-                  <a:schemeClr val="bg2">
-                    <a:lumMod val="25000"/>
-                  </a:schemeClr>
-                </a:solidFill>
-              </a:rPr>
-              <a:t>определя минимална широчина на елемента;</a:t>
-            </a:r>
-            <a:endParaRPr lang="en-US" sz="1600" dirty="0" smtClean="0">
-              <a:solidFill>
-                <a:schemeClr val="bg2">
-                  <a:lumMod val="25000"/>
-                </a:schemeClr>
-              </a:solidFill>
-            </a:endParaRPr>
           </a:p>
           <a:p>
             <a:endParaRPr lang="en-US" sz="1600" dirty="0">
@@ -12858,27 +12513,226 @@
           </a:p>
           <a:p>
             <a:r>
-              <a:rPr lang="en-US" sz="1400" dirty="0" smtClean="0">
+              <a:rPr lang="en-US" sz="1600" dirty="0">
+                <a:solidFill>
+                  <a:srgbClr val="427AA2"/>
+                </a:solidFill>
+              </a:rPr>
+              <a:t>max-height – </a:t>
+            </a:r>
+            <a:r>
+              <a:rPr lang="bg-BG" sz="1600" dirty="0">
                 <a:solidFill>
                   <a:schemeClr val="bg2">
                     <a:lumMod val="25000"/>
                   </a:schemeClr>
                 </a:solidFill>
               </a:rPr>
-              <a:t>*</a:t>
-            </a:r>
-            <a:r>
-              <a:rPr lang="bg-BG" sz="1400" i="1" dirty="0" smtClean="0">
+              <a:t>определя </a:t>
+            </a:r>
+            <a:r>
+              <a:rPr lang="bg-BG" sz="1600" i="1" dirty="0">
                 <a:solidFill>
                   <a:schemeClr val="bg2">
                     <a:lumMod val="25000"/>
                   </a:schemeClr>
                 </a:solidFill>
               </a:rPr>
+              <a:t>максимална</a:t>
+            </a:r>
+            <a:r>
+              <a:rPr lang="bg-BG" sz="1600" dirty="0">
+                <a:solidFill>
+                  <a:schemeClr val="bg2">
+                    <a:lumMod val="25000"/>
+                  </a:schemeClr>
+                </a:solidFill>
+              </a:rPr>
+              <a:t> височина на елемента;</a:t>
+            </a:r>
+          </a:p>
+          <a:p>
+            <a:r>
+              <a:rPr lang="en-US" sz="1600" dirty="0">
+                <a:solidFill>
+                  <a:srgbClr val="427AA2"/>
+                </a:solidFill>
+              </a:rPr>
+              <a:t>max-width</a:t>
+            </a:r>
+            <a:r>
+              <a:rPr lang="bg-BG" sz="1600" dirty="0">
+                <a:solidFill>
+                  <a:srgbClr val="427AA2"/>
+                </a:solidFill>
+              </a:rPr>
+              <a:t> – </a:t>
+            </a:r>
+            <a:r>
+              <a:rPr lang="bg-BG" sz="1600" dirty="0">
+                <a:solidFill>
+                  <a:schemeClr val="bg2">
+                    <a:lumMod val="25000"/>
+                  </a:schemeClr>
+                </a:solidFill>
+              </a:rPr>
+              <a:t>определя </a:t>
+            </a:r>
+            <a:r>
+              <a:rPr lang="bg-BG" sz="1600" i="1" dirty="0">
+                <a:solidFill>
+                  <a:schemeClr val="bg2">
+                    <a:lumMod val="25000"/>
+                  </a:schemeClr>
+                </a:solidFill>
+              </a:rPr>
+              <a:t>максимална</a:t>
+            </a:r>
+            <a:r>
+              <a:rPr lang="bg-BG" sz="1600" dirty="0">
+                <a:solidFill>
+                  <a:schemeClr val="bg2">
+                    <a:lumMod val="25000"/>
+                  </a:schemeClr>
+                </a:solidFill>
+              </a:rPr>
+              <a:t> широчина на елемента;</a:t>
+            </a:r>
+            <a:endParaRPr lang="en-US" sz="1600" dirty="0">
+              <a:solidFill>
+                <a:schemeClr val="bg2">
+                  <a:lumMod val="25000"/>
+                </a:schemeClr>
+              </a:solidFill>
+            </a:endParaRPr>
+          </a:p>
+          <a:p>
+            <a:endParaRPr lang="en-US" sz="1600" dirty="0">
+              <a:solidFill>
+                <a:srgbClr val="427AA2"/>
+              </a:solidFill>
+            </a:endParaRPr>
+          </a:p>
+          <a:p>
+            <a:r>
+              <a:rPr lang="en-US" sz="1600" dirty="0">
+                <a:solidFill>
+                  <a:srgbClr val="427AA2"/>
+                </a:solidFill>
+              </a:rPr>
+              <a:t>min-height</a:t>
+            </a:r>
+            <a:r>
+              <a:rPr lang="bg-BG" sz="1600" dirty="0">
+                <a:solidFill>
+                  <a:srgbClr val="427AA2"/>
+                </a:solidFill>
+              </a:rPr>
+              <a:t> – </a:t>
+            </a:r>
+            <a:r>
+              <a:rPr lang="bg-BG" sz="1600" dirty="0">
+                <a:solidFill>
+                  <a:schemeClr val="bg2">
+                    <a:lumMod val="25000"/>
+                  </a:schemeClr>
+                </a:solidFill>
+              </a:rPr>
+              <a:t>определя </a:t>
+            </a:r>
+            <a:r>
+              <a:rPr lang="bg-BG" sz="1600" i="1" dirty="0">
+                <a:solidFill>
+                  <a:schemeClr val="bg2">
+                    <a:lumMod val="25000"/>
+                  </a:schemeClr>
+                </a:solidFill>
+              </a:rPr>
+              <a:t>минимална</a:t>
+            </a:r>
+            <a:r>
+              <a:rPr lang="bg-BG" sz="1600" dirty="0">
+                <a:solidFill>
+                  <a:schemeClr val="bg2">
+                    <a:lumMod val="25000"/>
+                  </a:schemeClr>
+                </a:solidFill>
+              </a:rPr>
+              <a:t> височина на елемента;</a:t>
+            </a:r>
+            <a:endParaRPr lang="en-US" sz="1600" dirty="0">
+              <a:solidFill>
+                <a:srgbClr val="427AA2"/>
+              </a:solidFill>
+            </a:endParaRPr>
+          </a:p>
+          <a:p>
+            <a:r>
+              <a:rPr lang="en-US" sz="1600" dirty="0">
+                <a:solidFill>
+                  <a:srgbClr val="427AA2"/>
+                </a:solidFill>
+              </a:rPr>
+              <a:t>min-width</a:t>
+            </a:r>
+            <a:r>
+              <a:rPr lang="bg-BG" sz="1600" dirty="0">
+                <a:solidFill>
+                  <a:srgbClr val="427AA2"/>
+                </a:solidFill>
+              </a:rPr>
+              <a:t> – </a:t>
+            </a:r>
+            <a:r>
+              <a:rPr lang="bg-BG" sz="1600" dirty="0">
+                <a:solidFill>
+                  <a:schemeClr val="bg2">
+                    <a:lumMod val="25000"/>
+                  </a:schemeClr>
+                </a:solidFill>
+              </a:rPr>
+              <a:t>определя минимална широчина на елемента;</a:t>
+            </a:r>
+            <a:endParaRPr lang="en-US" sz="1600" dirty="0">
+              <a:solidFill>
+                <a:schemeClr val="bg2">
+                  <a:lumMod val="25000"/>
+                </a:schemeClr>
+              </a:solidFill>
+            </a:endParaRPr>
+          </a:p>
+          <a:p>
+            <a:endParaRPr lang="en-US" sz="1600" dirty="0">
+              <a:solidFill>
+                <a:schemeClr val="bg2">
+                  <a:lumMod val="25000"/>
+                </a:schemeClr>
+              </a:solidFill>
+            </a:endParaRPr>
+          </a:p>
+          <a:p>
+            <a:r>
+              <a:rPr lang="en-US" sz="1400" dirty="0">
+                <a:solidFill>
+                  <a:schemeClr val="bg2">
+                    <a:lumMod val="25000"/>
+                  </a:schemeClr>
+                </a:solidFill>
+              </a:rPr>
+              <a:t>*</a:t>
+            </a:r>
+            <a:r>
+              <a:rPr lang="bg-BG" sz="1400" i="1" dirty="0">
+                <a:solidFill>
+                  <a:schemeClr val="bg2">
+                    <a:lumMod val="25000"/>
+                  </a:schemeClr>
+                </a:solidFill>
+              </a:rPr>
               <a:t>Пример в </a:t>
             </a:r>
             <a:r>
-              <a:rPr lang="en-US" sz="1400" i="1" dirty="0" smtClean="0">
+              <a:rPr lang="en-US" sz="1400" i="1" dirty="0">
                 <a:solidFill>
                   <a:schemeClr val="bg2">
                     <a:lumMod val="25000"/>
@@ -12962,7 +12816,7 @@
           <p:cNvPr id="39" name="Rectangle 38">
             <a:extLst>
               <a:ext uri="{FF2B5EF4-FFF2-40B4-BE49-F238E27FC236}">
-                <a16:creationId xmlns="" xmlns:a16="http://schemas.microsoft.com/office/drawing/2014/main" id="{C1C163D1-85A2-4643-BA3C-22035ECBF6E9}"/>
+                <a16:creationId xmlns:a16="http://schemas.microsoft.com/office/drawing/2014/main" id="{C1C163D1-85A2-4643-BA3C-22035ECBF6E9}"/>
               </a:ext>
             </a:extLst>
           </p:cNvPr>
@@ -13016,7 +12870,7 @@
           <p:cNvPr id="5" name="Rectangle 4">
             <a:extLst>
               <a:ext uri="{FF2B5EF4-FFF2-40B4-BE49-F238E27FC236}">
-                <a16:creationId xmlns="" xmlns:a16="http://schemas.microsoft.com/office/drawing/2014/main" id="{12131ED0-4950-475C-B7DC-450FBBF3C54A}"/>
+                <a16:creationId xmlns:a16="http://schemas.microsoft.com/office/drawing/2014/main" id="{12131ED0-4950-475C-B7DC-450FBBF3C54A}"/>
               </a:ext>
             </a:extLst>
           </p:cNvPr>
@@ -13068,7 +12922,7 @@
           <p:cNvPr id="4" name="TextBox 3">
             <a:extLst>
               <a:ext uri="{FF2B5EF4-FFF2-40B4-BE49-F238E27FC236}">
-                <a16:creationId xmlns="" xmlns:a16="http://schemas.microsoft.com/office/drawing/2014/main" id="{DB2A6D78-D3DF-4739-BCDE-EE78ED59B04D}"/>
+                <a16:creationId xmlns:a16="http://schemas.microsoft.com/office/drawing/2014/main" id="{DB2A6D78-D3DF-4739-BCDE-EE78ED59B04D}"/>
               </a:ext>
             </a:extLst>
           </p:cNvPr>
@@ -13129,7 +12983,7 @@
           <p:cNvPr id="8" name="TextBox 7">
             <a:extLst>
               <a:ext uri="{FF2B5EF4-FFF2-40B4-BE49-F238E27FC236}">
-                <a16:creationId xmlns="" xmlns:a16="http://schemas.microsoft.com/office/drawing/2014/main" id="{2374E9AE-8D65-4C85-A4AC-BBB9AA519202}"/>
+                <a16:creationId xmlns:a16="http://schemas.microsoft.com/office/drawing/2014/main" id="{2374E9AE-8D65-4C85-A4AC-BBB9AA519202}"/>
               </a:ext>
             </a:extLst>
           </p:cNvPr>
@@ -13138,8 +12992,8 @@
         </p:nvSpPr>
         <p:spPr>
           <a:xfrm>
-            <a:off x="8275333" y="39982"/>
-            <a:ext cx="846899" cy="276999"/>
+            <a:off x="8026163" y="39982"/>
+            <a:ext cx="1096069" cy="276999"/>
           </a:xfrm>
           <a:prstGeom prst="rect">
             <a:avLst/>
@@ -13159,7 +13013,7 @@
                   <a:schemeClr val="bg1"/>
                 </a:solidFill>
               </a:rPr>
-              <a:t>Box model</a:t>
+              <a:t>Box properties</a:t>
             </a:r>
           </a:p>
         </p:txBody>
@@ -13169,7 +13023,7 @@
           <p:cNvPr id="47" name="Rectangle: Rounded Corners 5">
             <a:extLst>
               <a:ext uri="{FF2B5EF4-FFF2-40B4-BE49-F238E27FC236}">
-                <a16:creationId xmlns="" xmlns:a16="http://schemas.microsoft.com/office/drawing/2014/main" id="{682EAE92-D6DF-494B-9CC1-FF2B7145CC2C}"/>
+                <a16:creationId xmlns:a16="http://schemas.microsoft.com/office/drawing/2014/main" id="{682EAE92-D6DF-494B-9CC1-FF2B7145CC2C}"/>
               </a:ext>
             </a:extLst>
           </p:cNvPr>
@@ -13221,22 +13075,18 @@
             <a:pPr algn="ctr"/>
             <a:r>
               <a:rPr lang="en-US" dirty="0"/>
-              <a:t>Height &amp; </a:t>
-            </a:r>
-            <a:r>
-              <a:rPr lang="en-US" dirty="0" smtClean="0"/>
-              <a:t>Width -</a:t>
-            </a:r>
-            <a:r>
-              <a:rPr lang="bg-BG" dirty="0" smtClean="0"/>
+              <a:t>Height &amp; Width -</a:t>
+            </a:r>
+            <a:r>
+              <a:rPr lang="bg-BG" dirty="0"/>
               <a:t> примерен</a:t>
             </a:r>
             <a:r>
-              <a:rPr lang="en-US" dirty="0" smtClean="0"/>
+              <a:rPr lang="en-US" dirty="0"/>
               <a:t> </a:t>
             </a:r>
             <a:r>
-              <a:rPr lang="bg-BG" dirty="0" smtClean="0"/>
+              <a:rPr lang="bg-BG" dirty="0"/>
               <a:t>синтаксис</a:t>
             </a:r>
             <a:endParaRPr lang="en-US" dirty="0"/>
@@ -13316,7 +13166,7 @@
           <p:cNvPr id="39" name="Rectangle 38">
             <a:extLst>
               <a:ext uri="{FF2B5EF4-FFF2-40B4-BE49-F238E27FC236}">
-                <a16:creationId xmlns="" xmlns:a16="http://schemas.microsoft.com/office/drawing/2014/main" id="{C1C163D1-85A2-4643-BA3C-22035ECBF6E9}"/>
+                <a16:creationId xmlns:a16="http://schemas.microsoft.com/office/drawing/2014/main" id="{C1C163D1-85A2-4643-BA3C-22035ECBF6E9}"/>
               </a:ext>
             </a:extLst>
           </p:cNvPr>
@@ -13370,7 +13220,7 @@
           <p:cNvPr id="5" name="Rectangle 4">
             <a:extLst>
               <a:ext uri="{FF2B5EF4-FFF2-40B4-BE49-F238E27FC236}">
-                <a16:creationId xmlns="" xmlns:a16="http://schemas.microsoft.com/office/drawing/2014/main" id="{12131ED0-4950-475C-B7DC-450FBBF3C54A}"/>
+                <a16:creationId xmlns:a16="http://schemas.microsoft.com/office/drawing/2014/main" id="{12131ED0-4950-475C-B7DC-450FBBF3C54A}"/>
               </a:ext>
             </a:extLst>
           </p:cNvPr>
@@ -13422,7 +13272,7 @@
           <p:cNvPr id="4" name="TextBox 3">
             <a:extLst>
               <a:ext uri="{FF2B5EF4-FFF2-40B4-BE49-F238E27FC236}">
-                <a16:creationId xmlns="" xmlns:a16="http://schemas.microsoft.com/office/drawing/2014/main" id="{DB2A6D78-D3DF-4739-BCDE-EE78ED59B04D}"/>
+                <a16:creationId xmlns:a16="http://schemas.microsoft.com/office/drawing/2014/main" id="{DB2A6D78-D3DF-4739-BCDE-EE78ED59B04D}"/>
               </a:ext>
             </a:extLst>
           </p:cNvPr>
@@ -13483,7 +13333,7 @@
           <p:cNvPr id="8" name="TextBox 7">
             <a:extLst>
               <a:ext uri="{FF2B5EF4-FFF2-40B4-BE49-F238E27FC236}">
-                <a16:creationId xmlns="" xmlns:a16="http://schemas.microsoft.com/office/drawing/2014/main" id="{2374E9AE-8D65-4C85-A4AC-BBB9AA519202}"/>
+                <a16:creationId xmlns:a16="http://schemas.microsoft.com/office/drawing/2014/main" id="{2374E9AE-8D65-4C85-A4AC-BBB9AA519202}"/>
               </a:ext>
             </a:extLst>
           </p:cNvPr>
@@ -13492,8 +13342,8 @@
         </p:nvSpPr>
         <p:spPr>
           <a:xfrm>
-            <a:off x="8275333" y="39982"/>
-            <a:ext cx="846899" cy="276999"/>
+            <a:off x="8026163" y="39982"/>
+            <a:ext cx="1096069" cy="276999"/>
           </a:xfrm>
           <a:prstGeom prst="rect">
             <a:avLst/>
@@ -13508,13 +13358,18 @@
           <a:p>
             <a:pPr algn="r"/>
             <a:r>
-              <a:rPr lang="en-US" sz="1200" dirty="0">
+              <a:rPr lang="en-US" sz="1200">
                 <a:solidFill>
                   <a:schemeClr val="bg1"/>
                 </a:solidFill>
               </a:rPr>
-              <a:t>Box model</a:t>
-            </a:r>
+              <a:t>Box properties</a:t>
+            </a:r>
+            <a:endParaRPr lang="en-US" sz="1200" dirty="0">
+              <a:solidFill>
+                <a:schemeClr val="bg1"/>
+              </a:solidFill>
+            </a:endParaRPr>
           </a:p>
         </p:txBody>
       </p:sp>
@@ -13523,7 +13378,7 @@
           <p:cNvPr id="47" name="Rectangle: Rounded Corners 5">
             <a:extLst>
               <a:ext uri="{FF2B5EF4-FFF2-40B4-BE49-F238E27FC236}">
-                <a16:creationId xmlns="" xmlns:a16="http://schemas.microsoft.com/office/drawing/2014/main" id="{682EAE92-D6DF-494B-9CC1-FF2B7145CC2C}"/>
+                <a16:creationId xmlns:a16="http://schemas.microsoft.com/office/drawing/2014/main" id="{682EAE92-D6DF-494B-9CC1-FF2B7145CC2C}"/>
               </a:ext>
             </a:extLst>
           </p:cNvPr>
@@ -13585,7 +13440,7 @@
           <p:cNvPr id="2" name="TextBox 1">
             <a:extLst>
               <a:ext uri="{FF2B5EF4-FFF2-40B4-BE49-F238E27FC236}">
-                <a16:creationId xmlns="" xmlns:a16="http://schemas.microsoft.com/office/drawing/2014/main" id="{1B819E04-FB3A-4140-997F-C60523568632}"/>
+                <a16:creationId xmlns:a16="http://schemas.microsoft.com/office/drawing/2014/main" id="{1B819E04-FB3A-4140-997F-C60523568632}"/>
               </a:ext>
             </a:extLst>
           </p:cNvPr>
@@ -13609,24 +13464,14 @@
           <a:lstStyle/>
           <a:p>
             <a:r>
-              <a:rPr lang="bg-BG" sz="1600" dirty="0" smtClean="0">
+              <a:rPr lang="bg-BG" sz="1600" dirty="0">
                 <a:solidFill>
                   <a:schemeClr val="bg2">
                     <a:lumMod val="25000"/>
                   </a:schemeClr>
                 </a:solidFill>
               </a:rPr>
-              <a:t>Отнася </a:t>
-            </a:r>
-            <a:r>
-              <a:rPr lang="bg-BG" sz="1600" dirty="0">
-                <a:solidFill>
-                  <a:schemeClr val="bg2">
-                    <a:lumMod val="25000"/>
-                  </a:schemeClr>
-                </a:solidFill>
-              </a:rPr>
-              <a:t>се за </a:t>
+              <a:t>Отнася се за </a:t>
             </a:r>
             <a:r>
               <a:rPr lang="bg-BG" sz="1600" b="1" i="1" dirty="0">
@@ -13797,13 +13642,6 @@
               </a:rPr>
               <a:t>; </a:t>
             </a:r>
-            <a:endParaRPr lang="en-US" sz="1600" dirty="0" smtClean="0">
-              <a:solidFill>
-                <a:schemeClr val="bg2">
-                  <a:lumMod val="25000"/>
-                </a:schemeClr>
-              </a:solidFill>
-            </a:endParaRPr>
           </a:p>
           <a:p>
             <a:endParaRPr lang="en-US" sz="1600" dirty="0">
@@ -13816,7 +13654,7 @@
           </a:p>
           <a:p>
             <a:r>
-              <a:rPr lang="bg-BG" sz="1600" dirty="0" smtClean="0">
+              <a:rPr lang="bg-BG" sz="1600" dirty="0">
                 <a:solidFill>
                   <a:schemeClr val="bg2">
                     <a:lumMod val="25000"/>
@@ -13826,7 +13664,7 @@
               <a:t>Използва се за генериране на място/отстояние </a:t>
             </a:r>
             <a:r>
-              <a:rPr lang="bg-BG" sz="1600" b="1" i="1" dirty="0" smtClean="0">
+              <a:rPr lang="bg-BG" sz="1600" b="1" i="1" dirty="0">
                 <a:solidFill>
                   <a:schemeClr val="bg2">
                     <a:lumMod val="25000"/>
@@ -13836,7 +13674,7 @@
               <a:t>от вътрешената страна </a:t>
             </a:r>
             <a:r>
-              <a:rPr lang="bg-BG" sz="1600" dirty="0" smtClean="0">
+              <a:rPr lang="bg-BG" sz="1600" dirty="0">
                 <a:solidFill>
                   <a:schemeClr val="bg2">
                     <a:lumMod val="25000"/>
@@ -13857,7 +13695,7 @@
           </a:p>
           <a:p>
             <a:r>
-              <a:rPr lang="bg-BG" sz="1600" dirty="0" smtClean="0">
+              <a:rPr lang="bg-BG" sz="1600" dirty="0">
                 <a:solidFill>
                   <a:schemeClr val="bg2">
                     <a:lumMod val="25000"/>
@@ -13873,7 +13711,7 @@
               <a:buChar char="•"/>
             </a:pPr>
             <a:r>
-              <a:rPr lang="bg-BG" sz="1600" dirty="0" smtClean="0">
+              <a:rPr lang="bg-BG" sz="1600" dirty="0">
                 <a:solidFill>
                   <a:schemeClr val="bg2">
                     <a:lumMod val="25000"/>
@@ -13883,7 +13721,7 @@
               <a:t>конкретни единици </a:t>
             </a:r>
             <a:r>
-              <a:rPr lang="en-US" sz="1600" dirty="0" smtClean="0">
+              <a:rPr lang="en-US" sz="1600" dirty="0">
                 <a:solidFill>
                   <a:schemeClr val="bg2">
                     <a:lumMod val="25000"/>
@@ -13893,7 +13731,7 @@
               <a:t>(</a:t>
             </a:r>
             <a:r>
-              <a:rPr lang="bg-BG" sz="1600" dirty="0" smtClean="0">
+              <a:rPr lang="bg-BG" sz="1600" dirty="0">
                 <a:solidFill>
                   <a:schemeClr val="bg2">
                     <a:lumMod val="25000"/>
@@ -13903,7 +13741,7 @@
               <a:t>напр. пиксели</a:t>
             </a:r>
             <a:r>
-              <a:rPr lang="en-US" sz="1600" dirty="0" smtClean="0">
+              <a:rPr lang="en-US" sz="1600" dirty="0">
                 <a:solidFill>
                   <a:schemeClr val="bg2">
                     <a:lumMod val="25000"/>
@@ -13922,7 +13760,43 @@
               </a:rPr>
               <a:t>;</a:t>
             </a:r>
-            <a:endParaRPr lang="bg-BG" sz="1600" dirty="0" smtClean="0">
+          </a:p>
+          <a:p>
+            <a:pPr marL="285750" indent="-285750">
+              <a:buFont typeface="Arial" panose="020B0604020202020204" pitchFamily="34" charset="0"/>
+              <a:buChar char="•"/>
+            </a:pPr>
+            <a:r>
+              <a:rPr lang="bg-BG" sz="1600" dirty="0">
+                <a:solidFill>
+                  <a:schemeClr val="bg2">
+                    <a:lumMod val="25000"/>
+                  </a:schemeClr>
+                </a:solidFill>
+              </a:rPr>
+              <a:t>като процент от </a:t>
+            </a:r>
+            <a:r>
+              <a:rPr lang="bg-BG" sz="1600" b="1" dirty="0">
+                <a:solidFill>
+                  <a:schemeClr val="bg2">
+                    <a:lumMod val="25000"/>
+                  </a:schemeClr>
+                </a:solidFill>
+              </a:rPr>
+              <a:t>ширината</a:t>
+            </a:r>
+            <a:r>
+              <a:rPr lang="bg-BG" sz="1600" dirty="0">
+                <a:solidFill>
+                  <a:schemeClr val="bg2">
+                    <a:lumMod val="25000"/>
+                  </a:schemeClr>
+                </a:solidFill>
+              </a:rPr>
+              <a:t> на съответния елемент;</a:t>
+            </a:r>
+            <a:endParaRPr lang="en-US" sz="1600" dirty="0">
               <a:solidFill>
                 <a:schemeClr val="bg2">
                   <a:lumMod val="25000"/>
@@ -13936,50 +13810,7 @@
               <a:buChar char="•"/>
             </a:pPr>
             <a:r>
-              <a:rPr lang="bg-BG" sz="1600" dirty="0" smtClean="0">
-                <a:solidFill>
-                  <a:schemeClr val="bg2">
-                    <a:lumMod val="25000"/>
-                  </a:schemeClr>
-                </a:solidFill>
-              </a:rPr>
-              <a:t>като процент от </a:t>
-            </a:r>
-            <a:r>
-              <a:rPr lang="bg-BG" sz="1600" b="1" dirty="0" smtClean="0">
-                <a:solidFill>
-                  <a:schemeClr val="bg2">
-                    <a:lumMod val="25000"/>
-                  </a:schemeClr>
-                </a:solidFill>
-              </a:rPr>
-              <a:t>ширината</a:t>
-            </a:r>
-            <a:r>
-              <a:rPr lang="bg-BG" sz="1600" dirty="0" smtClean="0">
-                <a:solidFill>
-                  <a:schemeClr val="bg2">
-                    <a:lumMod val="25000"/>
-                  </a:schemeClr>
-                </a:solidFill>
-              </a:rPr>
-              <a:t> на съответния елемент;</a:t>
-            </a:r>
-            <a:endParaRPr lang="en-US" sz="1600" dirty="0" smtClean="0">
-              <a:solidFill>
-                <a:schemeClr val="bg2">
-                  <a:lumMod val="25000"/>
-                </a:schemeClr>
-              </a:solidFill>
-            </a:endParaRPr>
-          </a:p>
-          <a:p>
-            <a:pPr marL="285750" indent="-285750">
-              <a:buFont typeface="Arial" panose="020B0604020202020204" pitchFamily="34" charset="0"/>
-              <a:buChar char="•"/>
-            </a:pPr>
-            <a:r>
-              <a:rPr lang="bg-BG" sz="1600" dirty="0" smtClean="0">
+              <a:rPr lang="bg-BG" sz="1600" dirty="0">
                 <a:solidFill>
                   <a:schemeClr val="bg2">
                     <a:lumMod val="25000"/>
@@ -14000,7 +13831,7 @@
           </a:p>
           <a:p>
             <a:r>
-              <a:rPr lang="bg-BG" sz="1600" dirty="0" smtClean="0">
+              <a:rPr lang="bg-BG" sz="1600" dirty="0">
                 <a:solidFill>
                   <a:schemeClr val="bg2">
                     <a:lumMod val="25000"/>
@@ -14010,7 +13841,7 @@
               <a:t>Отрицателни стойности </a:t>
             </a:r>
             <a:r>
-              <a:rPr lang="bg-BG" sz="1600" b="1" i="1" dirty="0" smtClean="0">
+              <a:rPr lang="bg-BG" sz="1600" b="1" i="1" dirty="0">
                 <a:solidFill>
                   <a:schemeClr val="bg2">
                     <a:lumMod val="25000"/>
@@ -14020,7 +13851,7 @@
               <a:t>не са позволени</a:t>
             </a:r>
             <a:r>
-              <a:rPr lang="en-US" sz="1600" b="1" i="1" dirty="0" smtClean="0">
+              <a:rPr lang="en-US" sz="1600" b="1" i="1" dirty="0">
                 <a:solidFill>
                   <a:schemeClr val="bg2">
                     <a:lumMod val="25000"/>
@@ -14030,7 +13861,7 @@
               <a:t>. </a:t>
             </a:r>
             <a:r>
-              <a:rPr lang="bg-BG" sz="1600" dirty="0" smtClean="0">
+              <a:rPr lang="bg-BG" sz="1600" dirty="0">
                 <a:solidFill>
                   <a:schemeClr val="bg2">
                     <a:lumMod val="25000"/>
@@ -14039,7 +13870,7 @@
               </a:rPr>
               <a:t>Не е логично, не е и валидно.</a:t>
             </a:r>
-            <a:endParaRPr lang="en-US" sz="1600" dirty="0" smtClean="0">
+            <a:endParaRPr lang="en-US" sz="1600" dirty="0">
               <a:solidFill>
                 <a:schemeClr val="bg2">
                   <a:lumMod val="25000"/>
@@ -14096,7 +13927,7 @@
             </a:endParaRPr>
           </a:p>
           <a:p>
-            <a:endParaRPr lang="bg-BG" sz="1600" b="1" i="1" dirty="0" smtClean="0">
+            <a:endParaRPr lang="bg-BG" sz="1600" b="1" i="1" dirty="0">
               <a:solidFill>
                 <a:schemeClr val="bg2">
                   <a:lumMod val="25000"/>
@@ -14164,7 +13995,7 @@
           <p:cNvPr id="39" name="Rectangle 38">
             <a:extLst>
               <a:ext uri="{FF2B5EF4-FFF2-40B4-BE49-F238E27FC236}">
-                <a16:creationId xmlns="" xmlns:a16="http://schemas.microsoft.com/office/drawing/2014/main" id="{C1C163D1-85A2-4643-BA3C-22035ECBF6E9}"/>
+                <a16:creationId xmlns:a16="http://schemas.microsoft.com/office/drawing/2014/main" id="{C1C163D1-85A2-4643-BA3C-22035ECBF6E9}"/>
               </a:ext>
             </a:extLst>
           </p:cNvPr>
@@ -14218,7 +14049,7 @@
           <p:cNvPr id="5" name="Rectangle 4">
             <a:extLst>
               <a:ext uri="{FF2B5EF4-FFF2-40B4-BE49-F238E27FC236}">
-                <a16:creationId xmlns="" xmlns:a16="http://schemas.microsoft.com/office/drawing/2014/main" id="{12131ED0-4950-475C-B7DC-450FBBF3C54A}"/>
+                <a16:creationId xmlns:a16="http://schemas.microsoft.com/office/drawing/2014/main" id="{12131ED0-4950-475C-B7DC-450FBBF3C54A}"/>
               </a:ext>
             </a:extLst>
           </p:cNvPr>
@@ -14270,7 +14101,7 @@
           <p:cNvPr id="4" name="TextBox 3">
             <a:extLst>
               <a:ext uri="{FF2B5EF4-FFF2-40B4-BE49-F238E27FC236}">
-                <a16:creationId xmlns="" xmlns:a16="http://schemas.microsoft.com/office/drawing/2014/main" id="{DB2A6D78-D3DF-4739-BCDE-EE78ED59B04D}"/>
+                <a16:creationId xmlns:a16="http://schemas.microsoft.com/office/drawing/2014/main" id="{DB2A6D78-D3DF-4739-BCDE-EE78ED59B04D}"/>
               </a:ext>
             </a:extLst>
           </p:cNvPr>
@@ -14331,7 +14162,7 @@
           <p:cNvPr id="8" name="TextBox 7">
             <a:extLst>
               <a:ext uri="{FF2B5EF4-FFF2-40B4-BE49-F238E27FC236}">
-                <a16:creationId xmlns="" xmlns:a16="http://schemas.microsoft.com/office/drawing/2014/main" id="{2374E9AE-8D65-4C85-A4AC-BBB9AA519202}"/>
+                <a16:creationId xmlns:a16="http://schemas.microsoft.com/office/drawing/2014/main" id="{2374E9AE-8D65-4C85-A4AC-BBB9AA519202}"/>
               </a:ext>
             </a:extLst>
           </p:cNvPr>
@@ -14371,7 +14202,7 @@
           <p:cNvPr id="47" name="Rectangle: Rounded Corners 5">
             <a:extLst>
               <a:ext uri="{FF2B5EF4-FFF2-40B4-BE49-F238E27FC236}">
-                <a16:creationId xmlns="" xmlns:a16="http://schemas.microsoft.com/office/drawing/2014/main" id="{682EAE92-D6DF-494B-9CC1-FF2B7145CC2C}"/>
+                <a16:creationId xmlns:a16="http://schemas.microsoft.com/office/drawing/2014/main" id="{682EAE92-D6DF-494B-9CC1-FF2B7145CC2C}"/>
               </a:ext>
             </a:extLst>
           </p:cNvPr>
@@ -14422,11 +14253,11 @@
           <a:p>
             <a:pPr algn="ctr"/>
             <a:r>
-              <a:rPr lang="en-US" dirty="0" smtClean="0"/>
+              <a:rPr lang="en-US" dirty="0"/>
               <a:t>Padding – </a:t>
             </a:r>
             <a:r>
-              <a:rPr lang="bg-BG" dirty="0" smtClean="0"/>
+              <a:rPr lang="bg-BG" dirty="0"/>
               <a:t>примерен синтаксис</a:t>
             </a:r>
             <a:endParaRPr lang="en-US" dirty="0"/>
@@ -14506,7 +14337,7 @@
           <p:cNvPr id="39" name="Rectangle 38">
             <a:extLst>
               <a:ext uri="{FF2B5EF4-FFF2-40B4-BE49-F238E27FC236}">
-                <a16:creationId xmlns="" xmlns:a16="http://schemas.microsoft.com/office/drawing/2014/main" id="{C1C163D1-85A2-4643-BA3C-22035ECBF6E9}"/>
+                <a16:creationId xmlns:a16="http://schemas.microsoft.com/office/drawing/2014/main" id="{C1C163D1-85A2-4643-BA3C-22035ECBF6E9}"/>
               </a:ext>
             </a:extLst>
           </p:cNvPr>
@@ -14560,7 +14391,7 @@
           <p:cNvPr id="5" name="Rectangle 4">
             <a:extLst>
               <a:ext uri="{FF2B5EF4-FFF2-40B4-BE49-F238E27FC236}">
-                <a16:creationId xmlns="" xmlns:a16="http://schemas.microsoft.com/office/drawing/2014/main" id="{12131ED0-4950-475C-B7DC-450FBBF3C54A}"/>
+                <a16:creationId xmlns:a16="http://schemas.microsoft.com/office/drawing/2014/main" id="{12131ED0-4950-475C-B7DC-450FBBF3C54A}"/>
               </a:ext>
             </a:extLst>
           </p:cNvPr>
@@ -14612,7 +14443,7 @@
           <p:cNvPr id="4" name="TextBox 3">
             <a:extLst>
               <a:ext uri="{FF2B5EF4-FFF2-40B4-BE49-F238E27FC236}">
-                <a16:creationId xmlns="" xmlns:a16="http://schemas.microsoft.com/office/drawing/2014/main" id="{DB2A6D78-D3DF-4739-BCDE-EE78ED59B04D}"/>
+                <a16:creationId xmlns:a16="http://schemas.microsoft.com/office/drawing/2014/main" id="{DB2A6D78-D3DF-4739-BCDE-EE78ED59B04D}"/>
               </a:ext>
             </a:extLst>
           </p:cNvPr>
@@ -14673,7 +14504,7 @@
           <p:cNvPr id="8" name="TextBox 7">
             <a:extLst>
               <a:ext uri="{FF2B5EF4-FFF2-40B4-BE49-F238E27FC236}">
-                <a16:creationId xmlns="" xmlns:a16="http://schemas.microsoft.com/office/drawing/2014/main" id="{2374E9AE-8D65-4C85-A4AC-BBB9AA519202}"/>
+                <a16:creationId xmlns:a16="http://schemas.microsoft.com/office/drawing/2014/main" id="{2374E9AE-8D65-4C85-A4AC-BBB9AA519202}"/>
               </a:ext>
             </a:extLst>
           </p:cNvPr>
@@ -14713,7 +14544,7 @@
           <p:cNvPr id="47" name="Rectangle: Rounded Corners 5">
             <a:extLst>
               <a:ext uri="{FF2B5EF4-FFF2-40B4-BE49-F238E27FC236}">
-                <a16:creationId xmlns="" xmlns:a16="http://schemas.microsoft.com/office/drawing/2014/main" id="{682EAE92-D6DF-494B-9CC1-FF2B7145CC2C}"/>
+                <a16:creationId xmlns:a16="http://schemas.microsoft.com/office/drawing/2014/main" id="{682EAE92-D6DF-494B-9CC1-FF2B7145CC2C}"/>
               </a:ext>
             </a:extLst>
           </p:cNvPr>
@@ -14775,7 +14606,7 @@
           <p:cNvPr id="2" name="TextBox 1">
             <a:extLst>
               <a:ext uri="{FF2B5EF4-FFF2-40B4-BE49-F238E27FC236}">
-                <a16:creationId xmlns="" xmlns:a16="http://schemas.microsoft.com/office/drawing/2014/main" id="{1B819E04-FB3A-4140-997F-C60523568632}"/>
+                <a16:creationId xmlns:a16="http://schemas.microsoft.com/office/drawing/2014/main" id="{1B819E04-FB3A-4140-997F-C60523568632}"/>
               </a:ext>
             </a:extLst>
           </p:cNvPr>
@@ -14858,13 +14689,6 @@
               </a:rPr>
               <a:t>width = 0. </a:t>
             </a:r>
-            <a:endParaRPr lang="en-US" sz="1600" dirty="0" smtClean="0">
-              <a:solidFill>
-                <a:schemeClr val="bg2">
-                  <a:lumMod val="25000"/>
-                </a:schemeClr>
-              </a:solidFill>
-            </a:endParaRPr>
           </a:p>
           <a:p>
             <a:endParaRPr lang="en-US" sz="1600" dirty="0">
@@ -14877,7 +14701,7 @@
           </a:p>
           <a:p>
             <a:r>
-              <a:rPr lang="bg-BG" sz="1600" dirty="0" smtClean="0">
+              <a:rPr lang="bg-BG" sz="1600" dirty="0">
                 <a:solidFill>
                   <a:schemeClr val="bg2">
                     <a:lumMod val="25000"/>
@@ -14904,133 +14728,38 @@
                   </a:schemeClr>
                 </a:solidFill>
               </a:rPr>
-              <a:t>могат да се </a:t>
-            </a:r>
-            <a:r>
-              <a:rPr lang="bg-BG" sz="1600" dirty="0" smtClean="0">
+              <a:t>могат да се задав</a:t>
+            </a:r>
+            <a:r>
+              <a:rPr lang="en-US" sz="1600" dirty="0">
                 <a:solidFill>
                   <a:schemeClr val="bg2">
                     <a:lumMod val="25000"/>
                   </a:schemeClr>
                 </a:solidFill>
               </a:rPr>
-              <a:t>задав</a:t>
-            </a:r>
-            <a:r>
-              <a:rPr lang="en-US" sz="1600" dirty="0" smtClean="0">
+              <a:t>a</a:t>
+            </a:r>
+            <a:r>
+              <a:rPr lang="bg-BG" sz="1600" dirty="0">
                 <a:solidFill>
                   <a:schemeClr val="bg2">
                     <a:lumMod val="25000"/>
                   </a:schemeClr>
                 </a:solidFill>
               </a:rPr>
-              <a:t>a</a:t>
-            </a:r>
-            <a:r>
-              <a:rPr lang="bg-BG" sz="1600" dirty="0" smtClean="0">
+              <a:t>т- цвят, стил, ширина на </a:t>
+            </a:r>
+            <a:r>
+              <a:rPr lang="en-US" sz="1600" dirty="0">
                 <a:solidFill>
                   <a:schemeClr val="bg2">
                     <a:lumMod val="25000"/>
                   </a:schemeClr>
                 </a:solidFill>
               </a:rPr>
-              <a:t>т- </a:t>
-            </a:r>
-            <a:r>
-              <a:rPr lang="bg-BG" sz="1600" dirty="0">
-                <a:solidFill>
-                  <a:schemeClr val="bg2">
-                    <a:lumMod val="25000"/>
-                  </a:schemeClr>
-                </a:solidFill>
-              </a:rPr>
-              <a:t>цвят, стил, </a:t>
-            </a:r>
-            <a:r>
-              <a:rPr lang="bg-BG" sz="1600" dirty="0" smtClean="0">
-                <a:solidFill>
-                  <a:schemeClr val="bg2">
-                    <a:lumMod val="25000"/>
-                  </a:schemeClr>
-                </a:solidFill>
-              </a:rPr>
-              <a:t>ширина на </a:t>
-            </a:r>
-            <a:r>
-              <a:rPr lang="en-US" sz="1600" dirty="0" smtClean="0">
-                <a:solidFill>
-                  <a:schemeClr val="bg2">
-                    <a:lumMod val="25000"/>
-                  </a:schemeClr>
-                </a:solidFill>
-              </a:rPr>
               <a:t>border-a;</a:t>
             </a:r>
-            <a:endParaRPr lang="en-US" sz="1600" dirty="0" smtClean="0">
-              <a:solidFill>
-                <a:schemeClr val="bg2">
-                  <a:lumMod val="25000"/>
-                </a:schemeClr>
-              </a:solidFill>
-            </a:endParaRPr>
-          </a:p>
-          <a:p>
-            <a:endParaRPr lang="en-US" sz="1600" dirty="0" smtClean="0">
-              <a:solidFill>
-                <a:schemeClr val="bg2">
-                  <a:lumMod val="25000"/>
-                </a:schemeClr>
-              </a:solidFill>
-            </a:endParaRPr>
-          </a:p>
-          <a:p>
-            <a:r>
-              <a:rPr lang="bg-BG" sz="1600" dirty="0" smtClean="0">
-                <a:solidFill>
-                  <a:schemeClr val="bg2">
-                    <a:lumMod val="25000"/>
-                  </a:schemeClr>
-                </a:solidFill>
-              </a:rPr>
-              <a:t>Отделните </a:t>
-            </a:r>
-            <a:r>
-              <a:rPr lang="en-US" sz="1600" dirty="0" smtClean="0">
-                <a:solidFill>
-                  <a:schemeClr val="bg2">
-                    <a:lumMod val="25000"/>
-                  </a:schemeClr>
-                </a:solidFill>
-              </a:rPr>
-              <a:t>property</a:t>
-            </a:r>
-            <a:r>
-              <a:rPr lang="bg-BG" sz="1600" dirty="0" smtClean="0">
-                <a:solidFill>
-                  <a:schemeClr val="bg2">
-                    <a:lumMod val="25000"/>
-                  </a:schemeClr>
-                </a:solidFill>
-              </a:rPr>
-              <a:t>-та на границите могат да се задават както индивидуално за всяка страна, така и за целия </a:t>
-            </a:r>
-            <a:r>
-              <a:rPr lang="bg-BG" sz="1600" dirty="0" smtClean="0">
-                <a:solidFill>
-                  <a:schemeClr val="bg2">
-                    <a:lumMod val="25000"/>
-                  </a:schemeClr>
-                </a:solidFill>
-              </a:rPr>
-              <a:t>елемент</a:t>
-            </a:r>
-            <a:endParaRPr lang="en-US" sz="1600" dirty="0" smtClean="0">
-              <a:solidFill>
-                <a:schemeClr val="bg2">
-                  <a:lumMod val="25000"/>
-                </a:schemeClr>
-              </a:solidFill>
-            </a:endParaRPr>
           </a:p>
           <a:p>
             <a:endParaRPr lang="en-US" sz="1600" dirty="0">
@@ -15042,24 +14771,36 @@
             </a:endParaRPr>
           </a:p>
           <a:p>
-            <a:endParaRPr lang="bg-BG" sz="1600" dirty="0" smtClean="0">
-              <a:solidFill>
-                <a:schemeClr val="bg2">
-                  <a:lumMod val="25000"/>
-                </a:schemeClr>
-              </a:solidFill>
-            </a:endParaRPr>
-          </a:p>
-          <a:p>
-            <a:endParaRPr lang="en-US" sz="1600" dirty="0" smtClean="0">
-              <a:solidFill>
-                <a:schemeClr val="bg2">
-                  <a:lumMod val="25000"/>
-                </a:schemeClr>
-              </a:solidFill>
-            </a:endParaRPr>
-          </a:p>
-          <a:p>
+            <a:r>
+              <a:rPr lang="bg-BG" sz="1600" dirty="0">
+                <a:solidFill>
+                  <a:schemeClr val="bg2">
+                    <a:lumMod val="25000"/>
+                  </a:schemeClr>
+                </a:solidFill>
+              </a:rPr>
+              <a:t>Отделните </a:t>
+            </a:r>
+            <a:r>
+              <a:rPr lang="en-US" sz="1600" dirty="0">
+                <a:solidFill>
+                  <a:schemeClr val="bg2">
+                    <a:lumMod val="25000"/>
+                  </a:schemeClr>
+                </a:solidFill>
+              </a:rPr>
+              <a:t>property</a:t>
+            </a:r>
+            <a:r>
+              <a:rPr lang="bg-BG" sz="1600" dirty="0">
+                <a:solidFill>
+                  <a:schemeClr val="bg2">
+                    <a:lumMod val="25000"/>
+                  </a:schemeClr>
+                </a:solidFill>
+              </a:rPr>
+              <a:t>-та на границите могат да се задават както индивидуално за всяка страна, така и за целия елемент</a:t>
+            </a:r>
             <a:endParaRPr lang="en-US" sz="1600" dirty="0">
               <a:solidFill>
                 <a:schemeClr val="bg2">
@@ -15069,7 +14810,7 @@
             </a:endParaRPr>
           </a:p>
           <a:p>
-            <a:endParaRPr lang="en-US" sz="1600" dirty="0" smtClean="0">
+            <a:endParaRPr lang="en-US" sz="1600" dirty="0">
               <a:solidFill>
                 <a:schemeClr val="bg2">
                   <a:lumMod val="25000"/>
@@ -15087,8 +14828,44 @@
             </a:endParaRPr>
           </a:p>
           <a:p>
-            <a:r>
-              <a:rPr lang="en-US" sz="1600" i="1" dirty="0" smtClean="0">
+            <a:endParaRPr lang="en-US" sz="1600" dirty="0">
+              <a:solidFill>
+                <a:schemeClr val="bg2">
+                  <a:lumMod val="25000"/>
+                </a:schemeClr>
+              </a:solidFill>
+            </a:endParaRPr>
+          </a:p>
+          <a:p>
+            <a:endParaRPr lang="en-US" sz="1600" dirty="0">
+              <a:solidFill>
+                <a:schemeClr val="bg2">
+                  <a:lumMod val="25000"/>
+                </a:schemeClr>
+              </a:solidFill>
+            </a:endParaRPr>
+          </a:p>
+          <a:p>
+            <a:endParaRPr lang="en-US" sz="1600" dirty="0">
+              <a:solidFill>
+                <a:schemeClr val="bg2">
+                  <a:lumMod val="25000"/>
+                </a:schemeClr>
+              </a:solidFill>
+            </a:endParaRPr>
+          </a:p>
+          <a:p>
+            <a:endParaRPr lang="bg-BG" sz="1600" dirty="0">
+              <a:solidFill>
+                <a:schemeClr val="bg2">
+                  <a:lumMod val="25000"/>
+                </a:schemeClr>
+              </a:solidFill>
+            </a:endParaRPr>
+          </a:p>
+          <a:p>
+            <a:r>
+              <a:rPr lang="en-US" sz="1600" i="1" dirty="0">
                 <a:solidFill>
                   <a:schemeClr val="bg2">
                     <a:lumMod val="25000"/>
@@ -15098,7 +14875,7 @@
               <a:t>border-radius – </a:t>
             </a:r>
             <a:r>
-              <a:rPr lang="bg-BG" sz="1600" i="1" dirty="0" smtClean="0">
+              <a:rPr lang="bg-BG" sz="1600" i="1" dirty="0">
                 <a:solidFill>
                   <a:schemeClr val="bg2">
                     <a:lumMod val="25000"/>
@@ -15109,7 +14886,7 @@
             </a:r>
           </a:p>
           <a:p>
-            <a:endParaRPr lang="bg-BG" sz="1400" dirty="0" smtClean="0">
+            <a:endParaRPr lang="bg-BG" sz="1400" dirty="0">
               <a:solidFill>
                 <a:schemeClr val="bg2">
                   <a:lumMod val="25000"/>
@@ -15201,7 +14978,7 @@
           <p:cNvPr id="39" name="Rectangle 38">
             <a:extLst>
               <a:ext uri="{FF2B5EF4-FFF2-40B4-BE49-F238E27FC236}">
-                <a16:creationId xmlns="" xmlns:a16="http://schemas.microsoft.com/office/drawing/2014/main" id="{C1C163D1-85A2-4643-BA3C-22035ECBF6E9}"/>
+                <a16:creationId xmlns:a16="http://schemas.microsoft.com/office/drawing/2014/main" id="{C1C163D1-85A2-4643-BA3C-22035ECBF6E9}"/>
               </a:ext>
             </a:extLst>
           </p:cNvPr>
@@ -15255,7 +15032,7 @@
           <p:cNvPr id="5" name="Rectangle 4">
             <a:extLst>
               <a:ext uri="{FF2B5EF4-FFF2-40B4-BE49-F238E27FC236}">
-                <a16:creationId xmlns="" xmlns:a16="http://schemas.microsoft.com/office/drawing/2014/main" id="{12131ED0-4950-475C-B7DC-450FBBF3C54A}"/>
+                <a16:creationId xmlns:a16="http://schemas.microsoft.com/office/drawing/2014/main" id="{12131ED0-4950-475C-B7DC-450FBBF3C54A}"/>
               </a:ext>
             </a:extLst>
           </p:cNvPr>
@@ -15307,7 +15084,7 @@
           <p:cNvPr id="4" name="TextBox 3">
             <a:extLst>
               <a:ext uri="{FF2B5EF4-FFF2-40B4-BE49-F238E27FC236}">
-                <a16:creationId xmlns="" xmlns:a16="http://schemas.microsoft.com/office/drawing/2014/main" id="{DB2A6D78-D3DF-4739-BCDE-EE78ED59B04D}"/>
+                <a16:creationId xmlns:a16="http://schemas.microsoft.com/office/drawing/2014/main" id="{DB2A6D78-D3DF-4739-BCDE-EE78ED59B04D}"/>
               </a:ext>
             </a:extLst>
           </p:cNvPr>
@@ -15368,7 +15145,7 @@
           <p:cNvPr id="8" name="TextBox 7">
             <a:extLst>
               <a:ext uri="{FF2B5EF4-FFF2-40B4-BE49-F238E27FC236}">
-                <a16:creationId xmlns="" xmlns:a16="http://schemas.microsoft.com/office/drawing/2014/main" id="{2374E9AE-8D65-4C85-A4AC-BBB9AA519202}"/>
+                <a16:creationId xmlns:a16="http://schemas.microsoft.com/office/drawing/2014/main" id="{2374E9AE-8D65-4C85-A4AC-BBB9AA519202}"/>
               </a:ext>
             </a:extLst>
           </p:cNvPr>
@@ -15408,7 +15185,7 @@
           <p:cNvPr id="47" name="Rectangle: Rounded Corners 5">
             <a:extLst>
               <a:ext uri="{FF2B5EF4-FFF2-40B4-BE49-F238E27FC236}">
-                <a16:creationId xmlns="" xmlns:a16="http://schemas.microsoft.com/office/drawing/2014/main" id="{682EAE92-D6DF-494B-9CC1-FF2B7145CC2C}"/>
+                <a16:creationId xmlns:a16="http://schemas.microsoft.com/office/drawing/2014/main" id="{682EAE92-D6DF-494B-9CC1-FF2B7145CC2C}"/>
               </a:ext>
             </a:extLst>
           </p:cNvPr>
@@ -15459,11 +15236,11 @@
           <a:p>
             <a:pPr algn="ctr"/>
             <a:r>
-              <a:rPr lang="en-US" dirty="0" smtClean="0"/>
+              <a:rPr lang="en-US" dirty="0"/>
               <a:t>Border </a:t>
             </a:r>
             <a:r>
-              <a:rPr lang="bg-BG" dirty="0" smtClean="0"/>
+              <a:rPr lang="bg-BG" dirty="0"/>
               <a:t>– примерен синтаксис</a:t>
             </a:r>
             <a:endParaRPr lang="en-US" dirty="0"/>
